--- a/Slides/Basketball 1/Basketball_1_Lecture.pptx
+++ b/Slides/Basketball 1/Basketball_1_Lecture.pptx
@@ -223,7 +223,7 @@
           <a:p>
             <a:fld id="{C04E5E84-956F-4423-97B3-5936A6D8EEEE}" type="datetimeFigureOut">
               <a:rPr lang="en-US" smtClean="0"/>
-              <a:t>9/22/2019</a:t>
+              <a:t>9/23/2019</a:t>
             </a:fld>
             <a:endParaRPr lang="en-US"/>
           </a:p>
@@ -684,7 +684,7 @@
           <a:p>
             <a:fld id="{3881C039-66A3-4640-815B-3B5A8B7D868D}" type="datetimeFigureOut">
               <a:rPr lang="en-US" smtClean="0"/>
-              <a:t>9/22/2019</a:t>
+              <a:t>9/23/2019</a:t>
             </a:fld>
             <a:endParaRPr lang="en-US"/>
           </a:p>
@@ -854,7 +854,7 @@
           <a:p>
             <a:fld id="{3881C039-66A3-4640-815B-3B5A8B7D868D}" type="datetimeFigureOut">
               <a:rPr lang="en-US" smtClean="0"/>
-              <a:t>9/22/2019</a:t>
+              <a:t>9/23/2019</a:t>
             </a:fld>
             <a:endParaRPr lang="en-US"/>
           </a:p>
@@ -1075,7 +1075,7 @@
           <a:p>
             <a:fld id="{3881C039-66A3-4640-815B-3B5A8B7D868D}" type="datetimeFigureOut">
               <a:rPr lang="en-US" smtClean="0"/>
-              <a:t>9/22/2019</a:t>
+              <a:t>9/23/2019</a:t>
             </a:fld>
             <a:endParaRPr lang="en-US"/>
           </a:p>
@@ -1286,7 +1286,7 @@
           <a:p>
             <a:fld id="{3881C039-66A3-4640-815B-3B5A8B7D868D}" type="datetimeFigureOut">
               <a:rPr lang="en-US" smtClean="0"/>
-              <a:t>9/22/2019</a:t>
+              <a:t>9/23/2019</a:t>
             </a:fld>
             <a:endParaRPr lang="en-US"/>
           </a:p>
@@ -1581,7 +1581,7 @@
           <a:p>
             <a:fld id="{3881C039-66A3-4640-815B-3B5A8B7D868D}" type="datetimeFigureOut">
               <a:rPr lang="en-US" smtClean="0"/>
-              <a:t>9/22/2019</a:t>
+              <a:t>9/23/2019</a:t>
             </a:fld>
             <a:endParaRPr lang="en-US"/>
           </a:p>
@@ -1910,7 +1910,7 @@
           <a:p>
             <a:fld id="{3881C039-66A3-4640-815B-3B5A8B7D868D}" type="datetimeFigureOut">
               <a:rPr lang="en-US" smtClean="0"/>
-              <a:t>9/22/2019</a:t>
+              <a:t>9/23/2019</a:t>
             </a:fld>
             <a:endParaRPr lang="en-US"/>
           </a:p>
@@ -2402,7 +2402,7 @@
           <a:p>
             <a:fld id="{3881C039-66A3-4640-815B-3B5A8B7D868D}" type="datetimeFigureOut">
               <a:rPr lang="en-US" smtClean="0"/>
-              <a:t>9/22/2019</a:t>
+              <a:t>9/23/2019</a:t>
             </a:fld>
             <a:endParaRPr lang="en-US"/>
           </a:p>
@@ -2561,7 +2561,7 @@
           <a:p>
             <a:fld id="{3881C039-66A3-4640-815B-3B5A8B7D868D}" type="datetimeFigureOut">
               <a:rPr lang="en-US" smtClean="0"/>
-              <a:t>9/22/2019</a:t>
+              <a:t>9/23/2019</a:t>
             </a:fld>
             <a:endParaRPr lang="en-US"/>
           </a:p>
@@ -2697,7 +2697,7 @@
           <a:p>
             <a:fld id="{3881C039-66A3-4640-815B-3B5A8B7D868D}" type="datetimeFigureOut">
               <a:rPr lang="en-US" smtClean="0"/>
-              <a:t>9/22/2019</a:t>
+              <a:t>9/23/2019</a:t>
             </a:fld>
             <a:endParaRPr lang="en-US"/>
           </a:p>
@@ -3025,7 +3025,7 @@
           <a:p>
             <a:fld id="{3881C039-66A3-4640-815B-3B5A8B7D868D}" type="datetimeFigureOut">
               <a:rPr lang="en-US" smtClean="0"/>
-              <a:t>9/22/2019</a:t>
+              <a:t>9/23/2019</a:t>
             </a:fld>
             <a:endParaRPr lang="en-US"/>
           </a:p>
@@ -3340,7 +3340,7 @@
           <a:p>
             <a:fld id="{3881C039-66A3-4640-815B-3B5A8B7D868D}" type="datetimeFigureOut">
               <a:rPr lang="en-US" smtClean="0"/>
-              <a:t>9/22/2019</a:t>
+              <a:t>9/23/2019</a:t>
             </a:fld>
             <a:endParaRPr lang="en-US"/>
           </a:p>
@@ -3592,7 +3592,7 @@
           <a:p>
             <a:fld id="{3881C039-66A3-4640-815B-3B5A8B7D868D}" type="datetimeFigureOut">
               <a:rPr lang="en-US" smtClean="0"/>
-              <a:t>9/22/2019</a:t>
+              <a:t>9/23/2019</a:t>
             </a:fld>
             <a:endParaRPr lang="en-US"/>
           </a:p>
@@ -5337,8 +5337,8 @@
           </a:fontRef>
         </p:style>
       </p:cxnSp>
-      <mc:AlternateContent xmlns:mc="http://schemas.openxmlformats.org/markup-compatibility/2006">
-        <mc:Choice xmlns:a14="http://schemas.microsoft.com/office/drawing/2010/main" Requires="a14">
+      <mc:AlternateContent xmlns:mc="http://schemas.openxmlformats.org/markup-compatibility/2006" xmlns:a14="http://schemas.microsoft.com/office/drawing/2010/main">
+        <mc:Choice Requires="a14">
           <p:sp>
             <p:nvSpPr>
               <p:cNvPr id="22" name="TextBox 21">
@@ -5367,6 +5367,7 @@
               </a:bodyPr>
               <a:lstStyle/>
               <a:p>
+                <a:pPr/>
                 <a14:m>
                   <m:oMathPara xmlns:m="http://schemas.openxmlformats.org/officeDocument/2006/math">
                     <m:oMathParaPr>
@@ -5525,7 +5526,7 @@
             </p:txBody>
           </p:sp>
         </mc:Choice>
-        <mc:Fallback>
+        <mc:Fallback xmlns="">
           <p:sp>
             <p:nvSpPr>
               <p:cNvPr id="22" name="TextBox 21">
@@ -5570,8 +5571,8 @@
           </p:sp>
         </mc:Fallback>
       </mc:AlternateContent>
-      <mc:AlternateContent xmlns:mc="http://schemas.openxmlformats.org/markup-compatibility/2006">
-        <mc:Choice xmlns:a14="http://schemas.microsoft.com/office/drawing/2010/main" Requires="a14">
+      <mc:AlternateContent xmlns:mc="http://schemas.openxmlformats.org/markup-compatibility/2006" xmlns:a14="http://schemas.microsoft.com/office/drawing/2010/main">
+        <mc:Choice Requires="a14">
           <p:sp>
             <p:nvSpPr>
               <p:cNvPr id="25" name="TextBox 24">
@@ -5600,6 +5601,7 @@
               </a:bodyPr>
               <a:lstStyle/>
               <a:p>
+                <a:pPr/>
                 <a14:m>
                   <m:oMathPara xmlns:m="http://schemas.openxmlformats.org/officeDocument/2006/math">
                     <m:oMathParaPr>
@@ -5697,7 +5699,7 @@
             </p:txBody>
           </p:sp>
         </mc:Choice>
-        <mc:Fallback>
+        <mc:Fallback xmlns="">
           <p:sp>
             <p:nvSpPr>
               <p:cNvPr id="25" name="TextBox 24">
@@ -5742,8 +5744,8 @@
           </p:sp>
         </mc:Fallback>
       </mc:AlternateContent>
-      <mc:AlternateContent xmlns:mc="http://schemas.openxmlformats.org/markup-compatibility/2006">
-        <mc:Choice xmlns:a14="http://schemas.microsoft.com/office/drawing/2010/main" Requires="a14">
+      <mc:AlternateContent xmlns:mc="http://schemas.openxmlformats.org/markup-compatibility/2006" xmlns:a14="http://schemas.microsoft.com/office/drawing/2010/main">
+        <mc:Choice Requires="a14">
           <p:sp>
             <p:nvSpPr>
               <p:cNvPr id="26" name="TextBox 25">
@@ -5775,6 +5777,7 @@
               </a:bodyPr>
               <a:lstStyle/>
               <a:p>
+                <a:pPr/>
                 <a14:m>
                   <m:oMathPara xmlns:m="http://schemas.openxmlformats.org/officeDocument/2006/math">
                     <m:oMathParaPr>
@@ -5924,7 +5927,7 @@
             </p:txBody>
           </p:sp>
         </mc:Choice>
-        <mc:Fallback>
+        <mc:Fallback xmlns="">
           <p:sp>
             <p:nvSpPr>
               <p:cNvPr id="26" name="TextBox 25">
@@ -5972,8 +5975,8 @@
           </p:sp>
         </mc:Fallback>
       </mc:AlternateContent>
-      <mc:AlternateContent xmlns:mc="http://schemas.openxmlformats.org/markup-compatibility/2006">
-        <mc:Choice xmlns:a14="http://schemas.microsoft.com/office/drawing/2010/main" Requires="a14">
+      <mc:AlternateContent xmlns:mc="http://schemas.openxmlformats.org/markup-compatibility/2006" xmlns:a14="http://schemas.microsoft.com/office/drawing/2010/main">
+        <mc:Choice Requires="a14">
           <p:sp>
             <p:nvSpPr>
               <p:cNvPr id="28" name="TextBox 27">
@@ -6002,6 +6005,7 @@
               </a:bodyPr>
               <a:lstStyle/>
               <a:p>
+                <a:pPr/>
                 <a14:m>
                   <m:oMathPara xmlns:m="http://schemas.openxmlformats.org/officeDocument/2006/math">
                     <m:oMathParaPr>
@@ -6099,7 +6103,7 @@
             </p:txBody>
           </p:sp>
         </mc:Choice>
-        <mc:Fallback>
+        <mc:Fallback xmlns="">
           <p:sp>
             <p:nvSpPr>
               <p:cNvPr id="28" name="TextBox 27">
@@ -7207,8 +7211,8 @@
           </a:p>
         </p:txBody>
       </p:sp>
-      <mc:AlternateContent xmlns:mc="http://schemas.openxmlformats.org/markup-compatibility/2006">
-        <mc:Choice xmlns:a14="http://schemas.microsoft.com/office/drawing/2010/main" Requires="a14">
+      <mc:AlternateContent xmlns:mc="http://schemas.openxmlformats.org/markup-compatibility/2006" xmlns:a14="http://schemas.microsoft.com/office/drawing/2010/main">
+        <mc:Choice Requires="a14">
           <p:sp>
             <p:nvSpPr>
               <p:cNvPr id="20" name="TextBox 19">
@@ -7237,6 +7241,7 @@
               </a:bodyPr>
               <a:lstStyle/>
               <a:p>
+                <a:pPr/>
                 <a14:m>
                   <m:oMathPara xmlns:m="http://schemas.openxmlformats.org/officeDocument/2006/math">
                     <m:oMathParaPr>
@@ -7478,7 +7483,7 @@
             </p:txBody>
           </p:sp>
         </mc:Choice>
-        <mc:Fallback>
+        <mc:Fallback xmlns="">
           <p:sp>
             <p:nvSpPr>
               <p:cNvPr id="20" name="TextBox 19">
@@ -9468,8 +9473,8 @@
           </a:p>
         </p:txBody>
       </p:sp>
-      <mc:AlternateContent xmlns:mc="http://schemas.openxmlformats.org/markup-compatibility/2006">
-        <mc:Choice xmlns:a14="http://schemas.microsoft.com/office/drawing/2010/main" Requires="a14">
+      <mc:AlternateContent xmlns:mc="http://schemas.openxmlformats.org/markup-compatibility/2006" xmlns:a14="http://schemas.microsoft.com/office/drawing/2010/main">
+        <mc:Choice Requires="a14">
           <p:sp>
             <p:nvSpPr>
               <p:cNvPr id="20" name="TextBox 19">
@@ -9498,6 +9503,7 @@
               </a:bodyPr>
               <a:lstStyle/>
               <a:p>
+                <a:pPr/>
                 <a14:m>
                   <m:oMathPara xmlns:m="http://schemas.openxmlformats.org/officeDocument/2006/math">
                     <m:oMathParaPr>
@@ -9742,7 +9748,7 @@
             </p:txBody>
           </p:sp>
         </mc:Choice>
-        <mc:Fallback>
+        <mc:Fallback xmlns="">
           <p:sp>
             <p:nvSpPr>
               <p:cNvPr id="20" name="TextBox 19">
@@ -13831,8 +13837,8 @@
           </a:p>
         </p:txBody>
       </p:sp>
-      <mc:AlternateContent xmlns:mc="http://schemas.openxmlformats.org/markup-compatibility/2006">
-        <mc:Choice xmlns:a14="http://schemas.microsoft.com/office/drawing/2010/main" Requires="a14">
+      <mc:AlternateContent xmlns:mc="http://schemas.openxmlformats.org/markup-compatibility/2006" xmlns:a14="http://schemas.microsoft.com/office/drawing/2010/main">
+        <mc:Choice Requires="a14">
           <p:sp>
             <p:nvSpPr>
               <p:cNvPr id="4" name="TextBox 3">
@@ -13861,6 +13867,7 @@
               </a:bodyPr>
               <a:lstStyle/>
               <a:p>
+                <a:pPr/>
                 <a14:m>
                   <m:oMathPara xmlns:m="http://schemas.openxmlformats.org/officeDocument/2006/math">
                     <m:oMathParaPr>
@@ -13931,7 +13938,7 @@
             </p:txBody>
           </p:sp>
         </mc:Choice>
-        <mc:Fallback>
+        <mc:Fallback xmlns="">
           <p:sp>
             <p:nvSpPr>
               <p:cNvPr id="4" name="TextBox 3">
@@ -13976,8 +13983,8 @@
           </p:sp>
         </mc:Fallback>
       </mc:AlternateContent>
-      <mc:AlternateContent xmlns:mc="http://schemas.openxmlformats.org/markup-compatibility/2006">
-        <mc:Choice xmlns:a14="http://schemas.microsoft.com/office/drawing/2010/main" Requires="a14">
+      <mc:AlternateContent xmlns:mc="http://schemas.openxmlformats.org/markup-compatibility/2006" xmlns:a14="http://schemas.microsoft.com/office/drawing/2010/main">
+        <mc:Choice Requires="a14">
           <p:sp>
             <p:nvSpPr>
               <p:cNvPr id="22" name="TextBox 21">
@@ -14006,6 +14013,7 @@
               </a:bodyPr>
               <a:lstStyle/>
               <a:p>
+                <a:pPr/>
                 <a14:m>
                   <m:oMathPara xmlns:m="http://schemas.openxmlformats.org/officeDocument/2006/math">
                     <m:oMathParaPr>
@@ -14103,7 +14111,7 @@
             </p:txBody>
           </p:sp>
         </mc:Choice>
-        <mc:Fallback>
+        <mc:Fallback xmlns="">
           <p:sp>
             <p:nvSpPr>
               <p:cNvPr id="22" name="TextBox 21">
@@ -14148,8 +14156,8 @@
           </p:sp>
         </mc:Fallback>
       </mc:AlternateContent>
-      <mc:AlternateContent xmlns:mc="http://schemas.openxmlformats.org/markup-compatibility/2006">
-        <mc:Choice xmlns:a14="http://schemas.microsoft.com/office/drawing/2010/main" Requires="a14">
+      <mc:AlternateContent xmlns:mc="http://schemas.openxmlformats.org/markup-compatibility/2006" xmlns:a14="http://schemas.microsoft.com/office/drawing/2010/main">
+        <mc:Choice Requires="a14">
           <p:sp>
             <p:nvSpPr>
               <p:cNvPr id="25" name="TextBox 24">
@@ -14178,6 +14186,7 @@
               </a:bodyPr>
               <a:lstStyle/>
               <a:p>
+                <a:pPr/>
                 <a14:m>
                   <m:oMathPara xmlns:m="http://schemas.openxmlformats.org/officeDocument/2006/math">
                     <m:oMathParaPr>
@@ -14266,7 +14275,7 @@
             </p:txBody>
           </p:sp>
         </mc:Choice>
-        <mc:Fallback>
+        <mc:Fallback xmlns="">
           <p:sp>
             <p:nvSpPr>
               <p:cNvPr id="25" name="TextBox 24">
@@ -15337,8 +15346,8 @@
           </a:p>
         </p:txBody>
       </p:sp>
-      <mc:AlternateContent xmlns:mc="http://schemas.openxmlformats.org/markup-compatibility/2006">
-        <mc:Choice xmlns:a14="http://schemas.microsoft.com/office/drawing/2010/main" Requires="a14">
+      <mc:AlternateContent xmlns:mc="http://schemas.openxmlformats.org/markup-compatibility/2006" xmlns:a14="http://schemas.microsoft.com/office/drawing/2010/main">
+        <mc:Choice Requires="a14">
           <p:sp>
             <p:nvSpPr>
               <p:cNvPr id="25" name="TextBox 24">
@@ -15367,6 +15376,7 @@
               </a:bodyPr>
               <a:lstStyle/>
               <a:p>
+                <a:pPr/>
                 <a14:m>
                   <m:oMathPara xmlns:m="http://schemas.openxmlformats.org/officeDocument/2006/math">
                     <m:oMathParaPr>
@@ -15455,7 +15465,7 @@
             </p:txBody>
           </p:sp>
         </mc:Choice>
-        <mc:Fallback>
+        <mc:Fallback xmlns="">
           <p:sp>
             <p:nvSpPr>
               <p:cNvPr id="25" name="TextBox 24">
@@ -15500,8 +15510,8 @@
           </p:sp>
         </mc:Fallback>
       </mc:AlternateContent>
-      <mc:AlternateContent xmlns:mc="http://schemas.openxmlformats.org/markup-compatibility/2006">
-        <mc:Choice xmlns:a14="http://schemas.microsoft.com/office/drawing/2010/main" Requires="a14">
+      <mc:AlternateContent xmlns:mc="http://schemas.openxmlformats.org/markup-compatibility/2006" xmlns:a14="http://schemas.microsoft.com/office/drawing/2010/main">
+        <mc:Choice Requires="a14">
           <p:sp>
             <p:nvSpPr>
               <p:cNvPr id="26" name="TextBox 25">
@@ -15530,6 +15540,7 @@
               </a:bodyPr>
               <a:lstStyle/>
               <a:p>
+                <a:pPr/>
                 <a14:m>
                   <m:oMathPara xmlns:m="http://schemas.openxmlformats.org/officeDocument/2006/math">
                     <m:oMathParaPr>
@@ -15636,7 +15647,7 @@
             </p:txBody>
           </p:sp>
         </mc:Choice>
-        <mc:Fallback>
+        <mc:Fallback xmlns="">
           <p:sp>
             <p:nvSpPr>
               <p:cNvPr id="26" name="TextBox 25">
@@ -16681,8 +16692,8 @@
           </a:p>
         </p:txBody>
       </p:sp>
-      <mc:AlternateContent xmlns:mc="http://schemas.openxmlformats.org/markup-compatibility/2006">
-        <mc:Choice xmlns:a14="http://schemas.microsoft.com/office/drawing/2010/main" Requires="a14">
+      <mc:AlternateContent xmlns:mc="http://schemas.openxmlformats.org/markup-compatibility/2006" xmlns:a14="http://schemas.microsoft.com/office/drawing/2010/main">
+        <mc:Choice Requires="a14">
           <p:sp>
             <p:nvSpPr>
               <p:cNvPr id="22" name="TextBox 21">
@@ -16711,6 +16722,7 @@
               </a:bodyPr>
               <a:lstStyle/>
               <a:p>
+                <a:pPr/>
                 <a14:m>
                   <m:oMathPara xmlns:m="http://schemas.openxmlformats.org/officeDocument/2006/math">
                     <m:oMathParaPr>
@@ -16781,7 +16793,7 @@
             </p:txBody>
           </p:sp>
         </mc:Choice>
-        <mc:Fallback>
+        <mc:Fallback xmlns="">
           <p:sp>
             <p:nvSpPr>
               <p:cNvPr id="22" name="TextBox 21">
@@ -16826,8 +16838,8 @@
           </p:sp>
         </mc:Fallback>
       </mc:AlternateContent>
-      <mc:AlternateContent xmlns:mc="http://schemas.openxmlformats.org/markup-compatibility/2006">
-        <mc:Choice xmlns:a14="http://schemas.microsoft.com/office/drawing/2010/main" Requires="a14">
+      <mc:AlternateContent xmlns:mc="http://schemas.openxmlformats.org/markup-compatibility/2006" xmlns:a14="http://schemas.microsoft.com/office/drawing/2010/main">
+        <mc:Choice Requires="a14">
           <p:sp>
             <p:nvSpPr>
               <p:cNvPr id="28" name="TextBox 27">
@@ -16856,6 +16868,7 @@
               </a:bodyPr>
               <a:lstStyle/>
               <a:p>
+                <a:pPr/>
                 <a14:m>
                   <m:oMathPara xmlns:m="http://schemas.openxmlformats.org/officeDocument/2006/math">
                     <m:oMathParaPr>
@@ -16926,7 +16939,7 @@
             </p:txBody>
           </p:sp>
         </mc:Choice>
-        <mc:Fallback>
+        <mc:Fallback xmlns="">
           <p:sp>
             <p:nvSpPr>
               <p:cNvPr id="28" name="TextBox 27">
@@ -18021,8 +18034,8 @@
           </a:p>
         </p:txBody>
       </p:sp>
-      <mc:AlternateContent xmlns:mc="http://schemas.openxmlformats.org/markup-compatibility/2006">
-        <mc:Choice xmlns:a14="http://schemas.microsoft.com/office/drawing/2010/main" Requires="a14">
+      <mc:AlternateContent xmlns:mc="http://schemas.openxmlformats.org/markup-compatibility/2006" xmlns:a14="http://schemas.microsoft.com/office/drawing/2010/main">
+        <mc:Choice Requires="a14">
           <p:sp>
             <p:nvSpPr>
               <p:cNvPr id="25" name="TextBox 24">
@@ -18051,6 +18064,7 @@
               </a:bodyPr>
               <a:lstStyle/>
               <a:p>
+                <a:pPr/>
                 <a14:m>
                   <m:oMathPara xmlns:m="http://schemas.openxmlformats.org/officeDocument/2006/math">
                     <m:oMathParaPr>
@@ -18157,7 +18171,7 @@
             </p:txBody>
           </p:sp>
         </mc:Choice>
-        <mc:Fallback>
+        <mc:Fallback xmlns="">
           <p:sp>
             <p:nvSpPr>
               <p:cNvPr id="25" name="TextBox 24">
@@ -18202,8 +18216,8 @@
           </p:sp>
         </mc:Fallback>
       </mc:AlternateContent>
-      <mc:AlternateContent xmlns:mc="http://schemas.openxmlformats.org/markup-compatibility/2006">
-        <mc:Choice xmlns:a14="http://schemas.microsoft.com/office/drawing/2010/main" Requires="a14">
+      <mc:AlternateContent xmlns:mc="http://schemas.openxmlformats.org/markup-compatibility/2006" xmlns:a14="http://schemas.microsoft.com/office/drawing/2010/main">
+        <mc:Choice Requires="a14">
           <p:sp>
             <p:nvSpPr>
               <p:cNvPr id="26" name="TextBox 25">
@@ -18232,6 +18246,7 @@
               </a:bodyPr>
               <a:lstStyle/>
               <a:p>
+                <a:pPr/>
                 <a14:m>
                   <m:oMathPara xmlns:m="http://schemas.openxmlformats.org/officeDocument/2006/math">
                     <m:oMathParaPr>
@@ -18338,7 +18353,7 @@
             </p:txBody>
           </p:sp>
         </mc:Choice>
-        <mc:Fallback>
+        <mc:Fallback xmlns="">
           <p:sp>
             <p:nvSpPr>
               <p:cNvPr id="26" name="TextBox 25">
@@ -20321,8 +20336,8 @@
           </a:p>
         </p:txBody>
       </p:sp>
-      <mc:AlternateContent xmlns:mc="http://schemas.openxmlformats.org/markup-compatibility/2006">
-        <mc:Choice xmlns:a14="http://schemas.microsoft.com/office/drawing/2010/main" Requires="a14">
+      <mc:AlternateContent xmlns:mc="http://schemas.openxmlformats.org/markup-compatibility/2006" xmlns:a14="http://schemas.microsoft.com/office/drawing/2010/main">
+        <mc:Choice Requires="a14">
           <p:sp>
             <p:nvSpPr>
               <p:cNvPr id="21" name="TextBox 20">
@@ -20351,6 +20366,7 @@
               </a:bodyPr>
               <a:lstStyle/>
               <a:p>
+                <a:pPr/>
                 <a14:m>
                   <m:oMathPara xmlns:m="http://schemas.openxmlformats.org/officeDocument/2006/math">
                     <m:oMathParaPr>
@@ -20747,7 +20763,7 @@
             </p:txBody>
           </p:sp>
         </mc:Choice>
-        <mc:Fallback>
+        <mc:Fallback xmlns="">
           <p:sp>
             <p:nvSpPr>
               <p:cNvPr id="21" name="TextBox 20">
@@ -20792,8 +20808,8 @@
           </p:sp>
         </mc:Fallback>
       </mc:AlternateContent>
-      <mc:AlternateContent xmlns:mc="http://schemas.openxmlformats.org/markup-compatibility/2006">
-        <mc:Choice xmlns:a14="http://schemas.microsoft.com/office/drawing/2010/main" Requires="a14">
+      <mc:AlternateContent xmlns:mc="http://schemas.openxmlformats.org/markup-compatibility/2006" xmlns:a14="http://schemas.microsoft.com/office/drawing/2010/main">
+        <mc:Choice Requires="a14">
           <p:sp>
             <p:nvSpPr>
               <p:cNvPr id="22" name="TextBox 21">
@@ -20822,6 +20838,7 @@
               </a:bodyPr>
               <a:lstStyle/>
               <a:p>
+                <a:pPr/>
                 <a14:m>
                   <m:oMathPara xmlns:m="http://schemas.openxmlformats.org/officeDocument/2006/math">
                     <m:oMathParaPr>
@@ -20980,7 +20997,7 @@
             </p:txBody>
           </p:sp>
         </mc:Choice>
-        <mc:Fallback>
+        <mc:Fallback xmlns="">
           <p:sp>
             <p:nvSpPr>
               <p:cNvPr id="22" name="TextBox 21">
@@ -21025,8 +21042,8 @@
           </p:sp>
         </mc:Fallback>
       </mc:AlternateContent>
-      <mc:AlternateContent xmlns:mc="http://schemas.openxmlformats.org/markup-compatibility/2006">
-        <mc:Choice xmlns:a14="http://schemas.microsoft.com/office/drawing/2010/main" Requires="a14">
+      <mc:AlternateContent xmlns:mc="http://schemas.openxmlformats.org/markup-compatibility/2006" xmlns:a14="http://schemas.microsoft.com/office/drawing/2010/main">
+        <mc:Choice Requires="a14">
           <p:sp>
             <p:nvSpPr>
               <p:cNvPr id="25" name="TextBox 24">
@@ -21055,6 +21072,7 @@
               </a:bodyPr>
               <a:lstStyle/>
               <a:p>
+                <a:pPr/>
                 <a14:m>
                   <m:oMathPara xmlns:m="http://schemas.openxmlformats.org/officeDocument/2006/math">
                     <m:oMathParaPr>
@@ -21152,7 +21170,7 @@
             </p:txBody>
           </p:sp>
         </mc:Choice>
-        <mc:Fallback>
+        <mc:Fallback xmlns="">
           <p:sp>
             <p:nvSpPr>
               <p:cNvPr id="25" name="TextBox 24">
@@ -21197,8 +21215,8 @@
           </p:sp>
         </mc:Fallback>
       </mc:AlternateContent>
-      <mc:AlternateContent xmlns:mc="http://schemas.openxmlformats.org/markup-compatibility/2006">
-        <mc:Choice xmlns:a14="http://schemas.microsoft.com/office/drawing/2010/main" Requires="a14">
+      <mc:AlternateContent xmlns:mc="http://schemas.openxmlformats.org/markup-compatibility/2006" xmlns:a14="http://schemas.microsoft.com/office/drawing/2010/main">
+        <mc:Choice Requires="a14">
           <p:sp>
             <p:nvSpPr>
               <p:cNvPr id="26" name="TextBox 25">
@@ -21227,6 +21245,7 @@
               </a:bodyPr>
               <a:lstStyle/>
               <a:p>
+                <a:pPr/>
                 <a14:m>
                   <m:oMathPara xmlns:m="http://schemas.openxmlformats.org/officeDocument/2006/math">
                     <m:oMathParaPr>
@@ -21376,7 +21395,7 @@
             </p:txBody>
           </p:sp>
         </mc:Choice>
-        <mc:Fallback>
+        <mc:Fallback xmlns="">
           <p:sp>
             <p:nvSpPr>
               <p:cNvPr id="26" name="TextBox 25">
@@ -21421,8 +21440,8 @@
           </p:sp>
         </mc:Fallback>
       </mc:AlternateContent>
-      <mc:AlternateContent xmlns:mc="http://schemas.openxmlformats.org/markup-compatibility/2006">
-        <mc:Choice xmlns:a14="http://schemas.microsoft.com/office/drawing/2010/main" Requires="a14">
+      <mc:AlternateContent xmlns:mc="http://schemas.openxmlformats.org/markup-compatibility/2006" xmlns:a14="http://schemas.microsoft.com/office/drawing/2010/main">
+        <mc:Choice Requires="a14">
           <p:sp>
             <p:nvSpPr>
               <p:cNvPr id="28" name="TextBox 27">
@@ -21451,6 +21470,7 @@
               </a:bodyPr>
               <a:lstStyle/>
               <a:p>
+                <a:pPr/>
                 <a14:m>
                   <m:oMathPara xmlns:m="http://schemas.openxmlformats.org/officeDocument/2006/math">
                     <m:oMathParaPr>
@@ -21548,7 +21568,7 @@
             </p:txBody>
           </p:sp>
         </mc:Choice>
-        <mc:Fallback>
+        <mc:Fallback xmlns="">
           <p:sp>
             <p:nvSpPr>
               <p:cNvPr id="28" name="TextBox 27">

--- a/Slides/Basketball 1/Basketball_1_Lecture.pptx
+++ b/Slides/Basketball 1/Basketball_1_Lecture.pptx
@@ -223,7 +223,7 @@
           <a:p>
             <a:fld id="{C04E5E84-956F-4423-97B3-5936A6D8EEEE}" type="datetimeFigureOut">
               <a:rPr lang="en-US" smtClean="0"/>
-              <a:t>9/23/2019</a:t>
+              <a:t>9/24/2019</a:t>
             </a:fld>
             <a:endParaRPr lang="en-US"/>
           </a:p>
@@ -684,7 +684,7 @@
           <a:p>
             <a:fld id="{3881C039-66A3-4640-815B-3B5A8B7D868D}" type="datetimeFigureOut">
               <a:rPr lang="en-US" smtClean="0"/>
-              <a:t>9/23/2019</a:t>
+              <a:t>9/24/2019</a:t>
             </a:fld>
             <a:endParaRPr lang="en-US"/>
           </a:p>
@@ -854,7 +854,7 @@
           <a:p>
             <a:fld id="{3881C039-66A3-4640-815B-3B5A8B7D868D}" type="datetimeFigureOut">
               <a:rPr lang="en-US" smtClean="0"/>
-              <a:t>9/23/2019</a:t>
+              <a:t>9/24/2019</a:t>
             </a:fld>
             <a:endParaRPr lang="en-US"/>
           </a:p>
@@ -1075,7 +1075,7 @@
           <a:p>
             <a:fld id="{3881C039-66A3-4640-815B-3B5A8B7D868D}" type="datetimeFigureOut">
               <a:rPr lang="en-US" smtClean="0"/>
-              <a:t>9/23/2019</a:t>
+              <a:t>9/24/2019</a:t>
             </a:fld>
             <a:endParaRPr lang="en-US"/>
           </a:p>
@@ -1286,7 +1286,7 @@
           <a:p>
             <a:fld id="{3881C039-66A3-4640-815B-3B5A8B7D868D}" type="datetimeFigureOut">
               <a:rPr lang="en-US" smtClean="0"/>
-              <a:t>9/23/2019</a:t>
+              <a:t>9/24/2019</a:t>
             </a:fld>
             <a:endParaRPr lang="en-US"/>
           </a:p>
@@ -1581,7 +1581,7 @@
           <a:p>
             <a:fld id="{3881C039-66A3-4640-815B-3B5A8B7D868D}" type="datetimeFigureOut">
               <a:rPr lang="en-US" smtClean="0"/>
-              <a:t>9/23/2019</a:t>
+              <a:t>9/24/2019</a:t>
             </a:fld>
             <a:endParaRPr lang="en-US"/>
           </a:p>
@@ -1910,7 +1910,7 @@
           <a:p>
             <a:fld id="{3881C039-66A3-4640-815B-3B5A8B7D868D}" type="datetimeFigureOut">
               <a:rPr lang="en-US" smtClean="0"/>
-              <a:t>9/23/2019</a:t>
+              <a:t>9/24/2019</a:t>
             </a:fld>
             <a:endParaRPr lang="en-US"/>
           </a:p>
@@ -2402,7 +2402,7 @@
           <a:p>
             <a:fld id="{3881C039-66A3-4640-815B-3B5A8B7D868D}" type="datetimeFigureOut">
               <a:rPr lang="en-US" smtClean="0"/>
-              <a:t>9/23/2019</a:t>
+              <a:t>9/24/2019</a:t>
             </a:fld>
             <a:endParaRPr lang="en-US"/>
           </a:p>
@@ -2561,7 +2561,7 @@
           <a:p>
             <a:fld id="{3881C039-66A3-4640-815B-3B5A8B7D868D}" type="datetimeFigureOut">
               <a:rPr lang="en-US" smtClean="0"/>
-              <a:t>9/23/2019</a:t>
+              <a:t>9/24/2019</a:t>
             </a:fld>
             <a:endParaRPr lang="en-US"/>
           </a:p>
@@ -2697,7 +2697,7 @@
           <a:p>
             <a:fld id="{3881C039-66A3-4640-815B-3B5A8B7D868D}" type="datetimeFigureOut">
               <a:rPr lang="en-US" smtClean="0"/>
-              <a:t>9/23/2019</a:t>
+              <a:t>9/24/2019</a:t>
             </a:fld>
             <a:endParaRPr lang="en-US"/>
           </a:p>
@@ -3025,7 +3025,7 @@
           <a:p>
             <a:fld id="{3881C039-66A3-4640-815B-3B5A8B7D868D}" type="datetimeFigureOut">
               <a:rPr lang="en-US" smtClean="0"/>
-              <a:t>9/23/2019</a:t>
+              <a:t>9/24/2019</a:t>
             </a:fld>
             <a:endParaRPr lang="en-US"/>
           </a:p>
@@ -3340,7 +3340,7 @@
           <a:p>
             <a:fld id="{3881C039-66A3-4640-815B-3B5A8B7D868D}" type="datetimeFigureOut">
               <a:rPr lang="en-US" smtClean="0"/>
-              <a:t>9/23/2019</a:t>
+              <a:t>9/24/2019</a:t>
             </a:fld>
             <a:endParaRPr lang="en-US"/>
           </a:p>
@@ -3592,7 +3592,7 @@
           <a:p>
             <a:fld id="{3881C039-66A3-4640-815B-3B5A8B7D868D}" type="datetimeFigureOut">
               <a:rPr lang="en-US" smtClean="0"/>
-              <a:t>9/23/2019</a:t>
+              <a:t>9/24/2019</a:t>
             </a:fld>
             <a:endParaRPr lang="en-US"/>
           </a:p>
@@ -4405,166 +4405,6 @@
       </p:grpSpPr>
       <p:sp>
         <p:nvSpPr>
-          <p:cNvPr id="3" name="Oval 2">
-            <a:extLst>
-              <a:ext uri="{FF2B5EF4-FFF2-40B4-BE49-F238E27FC236}">
-                <a16:creationId xmlns:a16="http://schemas.microsoft.com/office/drawing/2014/main" id="{16A0B47B-96E4-40E3-8722-AFFE91D47207}"/>
-              </a:ext>
-            </a:extLst>
-          </p:cNvPr>
-          <p:cNvSpPr/>
-          <p:nvPr/>
-        </p:nvSpPr>
-        <p:spPr>
-          <a:xfrm>
-            <a:off x="2146146" y="3765565"/>
-            <a:ext cx="4285920" cy="522289"/>
-          </a:xfrm>
-          <a:prstGeom prst="ellipse">
-            <a:avLst/>
-          </a:prstGeom>
-        </p:spPr>
-        <p:style>
-          <a:lnRef idx="2">
-            <a:schemeClr val="accent1">
-              <a:shade val="50000"/>
-            </a:schemeClr>
-          </a:lnRef>
-          <a:fillRef idx="1">
-            <a:schemeClr val="accent1"/>
-          </a:fillRef>
-          <a:effectRef idx="0">
-            <a:schemeClr val="accent1"/>
-          </a:effectRef>
-          <a:fontRef idx="minor">
-            <a:schemeClr val="lt1"/>
-          </a:fontRef>
-        </p:style>
-        <p:txBody>
-          <a:bodyPr rtlCol="0" anchor="ctr"/>
-          <a:lstStyle/>
-          <a:p>
-            <a:pPr algn="ctr"/>
-            <a:endParaRPr lang="en-US"/>
-          </a:p>
-        </p:txBody>
-      </p:sp>
-      <p:pic>
-        <p:nvPicPr>
-          <p:cNvPr id="23" name="Graphic 22" descr="Basketball">
-            <a:extLst>
-              <a:ext uri="{FF2B5EF4-FFF2-40B4-BE49-F238E27FC236}">
-                <a16:creationId xmlns:a16="http://schemas.microsoft.com/office/drawing/2014/main" id="{E9648A1B-FAF4-4D5E-A5FA-056876B6D1ED}"/>
-              </a:ext>
-            </a:extLst>
-          </p:cNvPr>
-          <p:cNvPicPr>
-            <a:picLocks noChangeAspect="1"/>
-          </p:cNvPicPr>
-          <p:nvPr/>
-        </p:nvPicPr>
-        <p:blipFill>
-          <a:blip r:embed="rId2">
-            <a:extLst>
-              <a:ext uri="{28A0092B-C50C-407E-A947-70E740481C1C}">
-                <a14:useLocalDpi xmlns:a14="http://schemas.microsoft.com/office/drawing/2010/main" val="0"/>
-              </a:ext>
-              <a:ext uri="{96DAC541-7B7A-43D3-8B79-37D633B846F1}">
-                <asvg:svgBlip xmlns:asvg="http://schemas.microsoft.com/office/drawing/2016/SVG/main" r:embed="rId3"/>
-              </a:ext>
-            </a:extLst>
-          </a:blip>
-          <a:stretch>
-            <a:fillRect/>
-          </a:stretch>
-        </p:blipFill>
-        <p:spPr>
-          <a:xfrm>
-            <a:off x="744683" y="-47773"/>
-            <a:ext cx="1236707" cy="1236707"/>
-          </a:xfrm>
-          <a:prstGeom prst="rect">
-            <a:avLst/>
-          </a:prstGeom>
-        </p:spPr>
-      </p:pic>
-      <p:sp>
-        <p:nvSpPr>
-          <p:cNvPr id="2" name="Title 1">
-            <a:extLst>
-              <a:ext uri="{FF2B5EF4-FFF2-40B4-BE49-F238E27FC236}">
-                <a16:creationId xmlns:a16="http://schemas.microsoft.com/office/drawing/2014/main" id="{9DA33D13-A6DD-4F70-90E0-B2FBF766CA6D}"/>
-              </a:ext>
-            </a:extLst>
-          </p:cNvPr>
-          <p:cNvSpPr>
-            <a:spLocks noGrp="1"/>
-          </p:cNvSpPr>
-          <p:nvPr>
-            <p:ph type="title"/>
-          </p:nvPr>
-        </p:nvSpPr>
-        <p:spPr>
-          <a:xfrm>
-            <a:off x="2146146" y="288168"/>
-            <a:ext cx="9746927" cy="772006"/>
-          </a:xfrm>
-        </p:spPr>
-        <p:txBody>
-          <a:bodyPr>
-            <a:normAutofit/>
-          </a:bodyPr>
-          <a:lstStyle/>
-          <a:p>
-            <a:r>
-              <a:rPr lang="en-US" dirty="0">
-                <a:solidFill>
-                  <a:schemeClr val="bg1"/>
-                </a:solidFill>
-                <a:latin typeface="Selawik Semibold" panose="020B0702040204020203" pitchFamily="34" charset="0"/>
-              </a:rPr>
-              <a:t>Basketball Statistics</a:t>
-            </a:r>
-          </a:p>
-        </p:txBody>
-      </p:sp>
-      <p:pic>
-        <p:nvPicPr>
-          <p:cNvPr id="27" name="Picture 26" descr="A close up of a toy&#10;&#10;Description automatically generated">
-            <a:extLst>
-              <a:ext uri="{FF2B5EF4-FFF2-40B4-BE49-F238E27FC236}">
-                <a16:creationId xmlns:a16="http://schemas.microsoft.com/office/drawing/2014/main" id="{F3F65D40-5045-4F6A-881C-5E044D5BEB71}"/>
-              </a:ext>
-            </a:extLst>
-          </p:cNvPr>
-          <p:cNvPicPr>
-            <a:picLocks noChangeAspect="1"/>
-          </p:cNvPicPr>
-          <p:nvPr/>
-        </p:nvPicPr>
-        <p:blipFill rotWithShape="1">
-          <a:blip r:embed="rId4">
-            <a:extLst>
-              <a:ext uri="{28A0092B-C50C-407E-A947-70E740481C1C}">
-                <a14:useLocalDpi xmlns:a14="http://schemas.microsoft.com/office/drawing/2010/main" val="0"/>
-              </a:ext>
-            </a:extLst>
-          </a:blip>
-          <a:srcRect t="11405" r="-2" b="25800"/>
-          <a:stretch/>
-        </p:blipFill>
-        <p:spPr>
-          <a:xfrm>
-            <a:off x="455571" y="3932600"/>
-            <a:ext cx="1598646" cy="1115388"/>
-          </a:xfrm>
-          <a:prstGeom prst="rect">
-            <a:avLst/>
-          </a:prstGeom>
-        </p:spPr>
-      </p:pic>
-      <p:sp>
-        <p:nvSpPr>
           <p:cNvPr id="24" name="Content Placeholder 2">
             <a:extLst>
               <a:ext uri="{FF2B5EF4-FFF2-40B4-BE49-F238E27FC236}">
@@ -4616,42 +4456,14 @@
                 </a:solidFill>
                 <a:latin typeface="Selawik Semibold" panose="020B0702040204020203" pitchFamily="34" charset="0"/>
               </a:rPr>
-              <a:t>Regression Results</a:t>
+              <a:t>Regression Results from Justin Jacobs (Squared2020.com)</a:t>
             </a:r>
-          </a:p>
-          <a:p>
-            <a:pPr lvl="1">
-              <a:spcBef>
-                <a:spcPts val="0"/>
-              </a:spcBef>
-              <a:buSzPct val="100000"/>
-            </a:pPr>
-            <a:r>
-              <a:rPr lang="en-US" sz="2000" dirty="0">
-                <a:solidFill>
-                  <a:schemeClr val="bg1"/>
-                </a:solidFill>
-                <a:latin typeface="Selawik Semibold" panose="020B0702040204020203" pitchFamily="34" charset="0"/>
-              </a:rPr>
-              <a:t>High R-Squared and Adjusted R-Squared</a:t>
-            </a:r>
-          </a:p>
-          <a:p>
-            <a:pPr lvl="1">
-              <a:spcBef>
-                <a:spcPts val="0"/>
-              </a:spcBef>
-              <a:buSzPct val="100000"/>
-            </a:pPr>
-            <a:r>
-              <a:rPr lang="en-US" sz="2000" dirty="0">
-                <a:solidFill>
-                  <a:schemeClr val="bg1"/>
-                </a:solidFill>
-                <a:latin typeface="Selawik Semibold" panose="020B0702040204020203" pitchFamily="34" charset="0"/>
-              </a:rPr>
-              <a:t>Importance Based on P-values</a:t>
-            </a:r>
+            <a:endParaRPr lang="en-US" sz="2000" dirty="0">
+              <a:solidFill>
+                <a:schemeClr val="bg1"/>
+              </a:solidFill>
+              <a:latin typeface="Selawik Semibold" panose="020B0702040204020203" pitchFamily="34" charset="0"/>
+            </a:endParaRPr>
           </a:p>
           <a:p>
             <a:pPr lvl="1">
@@ -4780,24 +4592,177 @@
             </a:endParaRPr>
           </a:p>
           <a:p>
-            <a:pPr>
+            <a:pPr lvl="1">
               <a:spcBef>
                 <a:spcPts val="0"/>
               </a:spcBef>
               <a:buSzPct val="100000"/>
             </a:pPr>
+            <a:endParaRPr lang="en-US" sz="2000" dirty="0">
+              <a:solidFill>
+                <a:schemeClr val="bg1"/>
+              </a:solidFill>
+              <a:latin typeface="Selawik Semibold" panose="020B0702040204020203" pitchFamily="34" charset="0"/>
+            </a:endParaRPr>
+          </a:p>
+          <a:p>
+            <a:pPr lvl="1">
+              <a:spcBef>
+                <a:spcPts val="0"/>
+              </a:spcBef>
+              <a:buSzPct val="100000"/>
+            </a:pPr>
+            <a:endParaRPr lang="en-US" sz="2000" dirty="0">
+              <a:solidFill>
+                <a:schemeClr val="bg1"/>
+              </a:solidFill>
+              <a:latin typeface="Selawik Semibold" panose="020B0702040204020203" pitchFamily="34" charset="0"/>
+            </a:endParaRPr>
+          </a:p>
+          <a:p>
+            <a:pPr lvl="1">
+              <a:spcBef>
+                <a:spcPts val="0"/>
+              </a:spcBef>
+              <a:buSzPct val="100000"/>
+            </a:pPr>
+            <a:endParaRPr lang="en-US" sz="2000" dirty="0">
+              <a:solidFill>
+                <a:schemeClr val="bg1"/>
+              </a:solidFill>
+              <a:latin typeface="Selawik Semibold" panose="020B0702040204020203" pitchFamily="34" charset="0"/>
+            </a:endParaRPr>
+          </a:p>
+          <a:p>
+            <a:pPr lvl="1">
+              <a:spcBef>
+                <a:spcPts val="0"/>
+              </a:spcBef>
+              <a:buSzPct val="100000"/>
+            </a:pPr>
+            <a:endParaRPr lang="en-US" sz="2000" dirty="0">
+              <a:solidFill>
+                <a:schemeClr val="bg1"/>
+              </a:solidFill>
+              <a:latin typeface="Selawik Semibold" panose="020B0702040204020203" pitchFamily="34" charset="0"/>
+            </a:endParaRPr>
+          </a:p>
+        </p:txBody>
+      </p:sp>
+      <p:pic>
+        <p:nvPicPr>
+          <p:cNvPr id="23" name="Graphic 22" descr="Basketball">
+            <a:extLst>
+              <a:ext uri="{FF2B5EF4-FFF2-40B4-BE49-F238E27FC236}">
+                <a16:creationId xmlns:a16="http://schemas.microsoft.com/office/drawing/2014/main" id="{E9648A1B-FAF4-4D5E-A5FA-056876B6D1ED}"/>
+              </a:ext>
+            </a:extLst>
+          </p:cNvPr>
+          <p:cNvPicPr>
+            <a:picLocks noChangeAspect="1"/>
+          </p:cNvPicPr>
+          <p:nvPr/>
+        </p:nvPicPr>
+        <p:blipFill>
+          <a:blip r:embed="rId2">
+            <a:extLst>
+              <a:ext uri="{28A0092B-C50C-407E-A947-70E740481C1C}">
+                <a14:useLocalDpi xmlns:a14="http://schemas.microsoft.com/office/drawing/2010/main" val="0"/>
+              </a:ext>
+              <a:ext uri="{96DAC541-7B7A-43D3-8B79-37D633B846F1}">
+                <asvg:svgBlip xmlns:asvg="http://schemas.microsoft.com/office/drawing/2016/SVG/main" r:embed="rId3"/>
+              </a:ext>
+            </a:extLst>
+          </a:blip>
+          <a:stretch>
+            <a:fillRect/>
+          </a:stretch>
+        </p:blipFill>
+        <p:spPr>
+          <a:xfrm>
+            <a:off x="744683" y="-47773"/>
+            <a:ext cx="1236707" cy="1236707"/>
+          </a:xfrm>
+          <a:prstGeom prst="rect">
+            <a:avLst/>
+          </a:prstGeom>
+        </p:spPr>
+      </p:pic>
+      <p:sp>
+        <p:nvSpPr>
+          <p:cNvPr id="2" name="Title 1">
+            <a:extLst>
+              <a:ext uri="{FF2B5EF4-FFF2-40B4-BE49-F238E27FC236}">
+                <a16:creationId xmlns:a16="http://schemas.microsoft.com/office/drawing/2014/main" id="{9DA33D13-A6DD-4F70-90E0-B2FBF766CA6D}"/>
+              </a:ext>
+            </a:extLst>
+          </p:cNvPr>
+          <p:cNvSpPr>
+            <a:spLocks noGrp="1"/>
+          </p:cNvSpPr>
+          <p:nvPr>
+            <p:ph type="title"/>
+          </p:nvPr>
+        </p:nvSpPr>
+        <p:spPr>
+          <a:xfrm>
+            <a:off x="2146146" y="288168"/>
+            <a:ext cx="9746927" cy="772006"/>
+          </a:xfrm>
+        </p:spPr>
+        <p:txBody>
+          <a:bodyPr>
+            <a:normAutofit/>
+          </a:bodyPr>
+          <a:lstStyle/>
+          <a:p>
             <a:r>
-              <a:rPr lang="en-US" sz="2400" dirty="0">
+              <a:rPr lang="en-US" dirty="0">
                 <a:solidFill>
                   <a:schemeClr val="bg1"/>
                 </a:solidFill>
                 <a:latin typeface="Selawik Semibold" panose="020B0702040204020203" pitchFamily="34" charset="0"/>
               </a:rPr>
-              <a:t>Four Factors Credited to Dean Oliver (Denver Nuggets)</a:t>
+              <a:t>Basketball Statistics</a:t>
             </a:r>
           </a:p>
         </p:txBody>
       </p:sp>
+      <p:pic>
+        <p:nvPicPr>
+          <p:cNvPr id="27" name="Picture 26" descr="A close up of a toy&#10;&#10;Description automatically generated">
+            <a:extLst>
+              <a:ext uri="{FF2B5EF4-FFF2-40B4-BE49-F238E27FC236}">
+                <a16:creationId xmlns:a16="http://schemas.microsoft.com/office/drawing/2014/main" id="{F3F65D40-5045-4F6A-881C-5E044D5BEB71}"/>
+              </a:ext>
+            </a:extLst>
+          </p:cNvPr>
+          <p:cNvPicPr>
+            <a:picLocks noChangeAspect="1"/>
+          </p:cNvPicPr>
+          <p:nvPr/>
+        </p:nvPicPr>
+        <p:blipFill rotWithShape="1">
+          <a:blip r:embed="rId4">
+            <a:extLst>
+              <a:ext uri="{28A0092B-C50C-407E-A947-70E740481C1C}">
+                <a14:useLocalDpi xmlns:a14="http://schemas.microsoft.com/office/drawing/2010/main" val="0"/>
+              </a:ext>
+            </a:extLst>
+          </a:blip>
+          <a:srcRect t="11405" r="-2" b="25800"/>
+          <a:stretch/>
+        </p:blipFill>
+        <p:spPr>
+          <a:xfrm>
+            <a:off x="455571" y="3932600"/>
+            <a:ext cx="1598646" cy="1115388"/>
+          </a:xfrm>
+          <a:prstGeom prst="rect">
+            <a:avLst/>
+          </a:prstGeom>
+        </p:spPr>
+      </p:pic>
       <p:cxnSp>
         <p:nvCxnSpPr>
           <p:cNvPr id="33" name="Straight Connector 32">
@@ -5337,823 +5302,47 @@
           </a:fontRef>
         </p:style>
       </p:cxnSp>
-      <mc:AlternateContent xmlns:mc="http://schemas.openxmlformats.org/markup-compatibility/2006" xmlns:a14="http://schemas.microsoft.com/office/drawing/2010/main">
-        <mc:Choice Requires="a14">
-          <p:sp>
-            <p:nvSpPr>
-              <p:cNvPr id="22" name="TextBox 21">
-                <a:extLst>
-                  <a:ext uri="{FF2B5EF4-FFF2-40B4-BE49-F238E27FC236}">
-                    <a16:creationId xmlns:a16="http://schemas.microsoft.com/office/drawing/2014/main" id="{3B65BE4C-71FE-4538-9F6A-8196E87CB2CE}"/>
-                  </a:ext>
-                </a:extLst>
-              </p:cNvPr>
-              <p:cNvSpPr txBox="1"/>
-              <p:nvPr/>
-            </p:nvSpPr>
-            <p:spPr>
-              <a:xfrm>
-                <a:off x="1443448" y="2570435"/>
-                <a:ext cx="6161143" cy="307777"/>
-              </a:xfrm>
-              <a:prstGeom prst="rect">
-                <a:avLst/>
-              </a:prstGeom>
-              <a:noFill/>
-            </p:spPr>
-            <p:txBody>
-              <a:bodyPr wrap="square" lIns="0" tIns="0" rIns="0" bIns="0" rtlCol="0">
-                <a:spAutoFit/>
-              </a:bodyPr>
-              <a:lstStyle/>
-              <a:p>
-                <a:pPr/>
-                <a14:m>
-                  <m:oMathPara xmlns:m="http://schemas.openxmlformats.org/officeDocument/2006/math">
-                    <m:oMathParaPr>
-                      <m:jc m:val="centerGroup"/>
-                    </m:oMathParaPr>
-                    <m:oMath xmlns:m="http://schemas.openxmlformats.org/officeDocument/2006/math">
-                      <m:sSub>
-                        <m:sSubPr>
-                          <m:ctrlPr>
-                            <a:rPr lang="en-US" sz="2000" b="0" i="1" smtClean="0">
-                              <a:solidFill>
-                                <a:schemeClr val="bg1"/>
-                              </a:solidFill>
-                              <a:latin typeface="Cambria Math" panose="02040503050406030204" pitchFamily="18" charset="0"/>
-                            </a:rPr>
-                          </m:ctrlPr>
-                        </m:sSubPr>
-                        <m:e>
-                          <m:r>
-                            <a:rPr lang="en-US" sz="2000" b="0" i="1" smtClean="0">
-                              <a:solidFill>
-                                <a:schemeClr val="bg1"/>
-                              </a:solidFill>
-                              <a:latin typeface="Cambria Math" panose="02040503050406030204" pitchFamily="18" charset="0"/>
-                            </a:rPr>
-                            <m:t>𝑋</m:t>
-                          </m:r>
-                        </m:e>
-                        <m:sub>
-                          <m:r>
-                            <a:rPr lang="en-US" sz="2000" b="0" i="1" smtClean="0">
-                              <a:solidFill>
-                                <a:schemeClr val="bg1"/>
-                              </a:solidFill>
-                              <a:latin typeface="Cambria Math" panose="02040503050406030204" pitchFamily="18" charset="0"/>
-                            </a:rPr>
-                            <m:t>1</m:t>
-                          </m:r>
-                        </m:sub>
-                      </m:sSub>
-                      <m:r>
-                        <a:rPr lang="en-US" sz="2000" b="0" i="1" smtClean="0">
-                          <a:solidFill>
-                            <a:schemeClr val="bg1"/>
-                          </a:solidFill>
-                          <a:latin typeface="Cambria Math" panose="02040503050406030204" pitchFamily="18" charset="0"/>
-                        </a:rPr>
-                        <m:t>=</m:t>
-                      </m:r>
-                      <m:r>
-                        <a:rPr lang="en-US" sz="2000" b="0" i="1" smtClean="0">
-                          <a:solidFill>
-                            <a:schemeClr val="bg1"/>
-                          </a:solidFill>
-                          <a:latin typeface="Cambria Math" panose="02040503050406030204" pitchFamily="18" charset="0"/>
-                        </a:rPr>
-                        <m:t>𝐸𝐹𝐺</m:t>
-                      </m:r>
-                      <m:r>
-                        <a:rPr lang="en-US" sz="2000" b="0" i="1" smtClean="0">
-                          <a:solidFill>
-                            <a:schemeClr val="bg1"/>
-                          </a:solidFill>
-                          <a:latin typeface="Cambria Math" panose="02040503050406030204" pitchFamily="18" charset="0"/>
-                        </a:rPr>
-                        <m:t>% −</m:t>
-                      </m:r>
-                      <m:r>
-                        <a:rPr lang="en-US" sz="2000" b="0" i="1" smtClean="0">
-                          <a:solidFill>
-                            <a:schemeClr val="bg1"/>
-                          </a:solidFill>
-                          <a:latin typeface="Cambria Math" panose="02040503050406030204" pitchFamily="18" charset="0"/>
-                        </a:rPr>
-                        <m:t>𝑂𝑝𝑝𝑜𝑛𝑒𝑛</m:t>
-                      </m:r>
-                      <m:sSup>
-                        <m:sSupPr>
-                          <m:ctrlPr>
-                            <a:rPr lang="en-US" sz="2000" b="0" i="1" smtClean="0">
-                              <a:solidFill>
-                                <a:schemeClr val="bg1"/>
-                              </a:solidFill>
-                              <a:latin typeface="Cambria Math" panose="02040503050406030204" pitchFamily="18" charset="0"/>
-                            </a:rPr>
-                          </m:ctrlPr>
-                        </m:sSupPr>
-                        <m:e>
-                          <m:r>
-                            <a:rPr lang="en-US" sz="2000" b="0" i="1" smtClean="0">
-                              <a:solidFill>
-                                <a:schemeClr val="bg1"/>
-                              </a:solidFill>
-                              <a:latin typeface="Cambria Math" panose="02040503050406030204" pitchFamily="18" charset="0"/>
-                            </a:rPr>
-                            <m:t>𝑡</m:t>
-                          </m:r>
-                        </m:e>
-                        <m:sup>
-                          <m:r>
-                            <a:rPr lang="en-US" sz="2000" b="0" i="1" smtClean="0">
-                              <a:solidFill>
-                                <a:schemeClr val="bg1"/>
-                              </a:solidFill>
-                              <a:latin typeface="Cambria Math" panose="02040503050406030204" pitchFamily="18" charset="0"/>
-                            </a:rPr>
-                            <m:t>′</m:t>
-                          </m:r>
-                        </m:sup>
-                      </m:sSup>
-                      <m:r>
-                        <a:rPr lang="en-US" sz="2000" b="0" i="1" smtClean="0">
-                          <a:solidFill>
-                            <a:schemeClr val="bg1"/>
-                          </a:solidFill>
-                          <a:latin typeface="Cambria Math" panose="02040503050406030204" pitchFamily="18" charset="0"/>
-                        </a:rPr>
-                        <m:t>𝑠</m:t>
-                      </m:r>
-                      <m:r>
-                        <a:rPr lang="en-US" sz="2000" b="0" i="1" smtClean="0">
-                          <a:solidFill>
-                            <a:schemeClr val="bg1"/>
-                          </a:solidFill>
-                          <a:latin typeface="Cambria Math" panose="02040503050406030204" pitchFamily="18" charset="0"/>
-                        </a:rPr>
-                        <m:t> </m:t>
-                      </m:r>
-                      <m:r>
-                        <a:rPr lang="en-US" sz="2000" b="0" i="1" smtClean="0">
-                          <a:solidFill>
-                            <a:schemeClr val="bg1"/>
-                          </a:solidFill>
-                          <a:latin typeface="Cambria Math" panose="02040503050406030204" pitchFamily="18" charset="0"/>
-                        </a:rPr>
-                        <m:t>𝐸𝐹𝐺</m:t>
-                      </m:r>
-                      <m:r>
-                        <a:rPr lang="en-US" sz="2000" b="0" i="1" smtClean="0">
-                          <a:solidFill>
-                            <a:schemeClr val="bg1"/>
-                          </a:solidFill>
-                          <a:latin typeface="Cambria Math" panose="02040503050406030204" pitchFamily="18" charset="0"/>
-                        </a:rPr>
-                        <m:t>%</m:t>
-                      </m:r>
-                    </m:oMath>
-                  </m:oMathPara>
-                </a14:m>
-                <a:endParaRPr lang="en-US" sz="2000" dirty="0">
-                  <a:solidFill>
-                    <a:schemeClr val="bg1"/>
-                  </a:solidFill>
-                </a:endParaRPr>
-              </a:p>
-            </p:txBody>
-          </p:sp>
-        </mc:Choice>
-        <mc:Fallback xmlns="">
-          <p:sp>
-            <p:nvSpPr>
-              <p:cNvPr id="22" name="TextBox 21">
-                <a:extLst>
-                  <a:ext uri="{FF2B5EF4-FFF2-40B4-BE49-F238E27FC236}">
-                    <a16:creationId xmlns:a16="http://schemas.microsoft.com/office/drawing/2014/main" id="{3B65BE4C-71FE-4538-9F6A-8196E87CB2CE}"/>
-                  </a:ext>
-                </a:extLst>
-              </p:cNvPr>
-              <p:cNvSpPr txBox="1">
-                <a:spLocks noRot="1" noChangeAspect="1" noMove="1" noResize="1" noEditPoints="1" noAdjustHandles="1" noChangeArrowheads="1" noChangeShapeType="1" noTextEdit="1"/>
-              </p:cNvSpPr>
-              <p:nvPr/>
-            </p:nvSpPr>
-            <p:spPr>
-              <a:xfrm>
-                <a:off x="1443448" y="2570435"/>
-                <a:ext cx="6161143" cy="307777"/>
-              </a:xfrm>
-              <a:prstGeom prst="rect">
-                <a:avLst/>
-              </a:prstGeom>
-              <a:blipFill>
-                <a:blip r:embed="rId6"/>
-                <a:stretch>
-                  <a:fillRect b="-38000"/>
-                </a:stretch>
-              </a:blipFill>
-            </p:spPr>
-            <p:txBody>
-              <a:bodyPr/>
-              <a:lstStyle/>
-              <a:p>
-                <a:r>
-                  <a:rPr lang="en-US">
-                    <a:noFill/>
-                  </a:rPr>
-                  <a:t> </a:t>
-                </a:r>
-              </a:p>
-            </p:txBody>
-          </p:sp>
-        </mc:Fallback>
-      </mc:AlternateContent>
-      <mc:AlternateContent xmlns:mc="http://schemas.openxmlformats.org/markup-compatibility/2006" xmlns:a14="http://schemas.microsoft.com/office/drawing/2010/main">
-        <mc:Choice Requires="a14">
-          <p:sp>
-            <p:nvSpPr>
-              <p:cNvPr id="25" name="TextBox 24">
-                <a:extLst>
-                  <a:ext uri="{FF2B5EF4-FFF2-40B4-BE49-F238E27FC236}">
-                    <a16:creationId xmlns:a16="http://schemas.microsoft.com/office/drawing/2014/main" id="{91D5B956-462E-4359-B755-40CD04E7609B}"/>
-                  </a:ext>
-                </a:extLst>
-              </p:cNvPr>
-              <p:cNvSpPr txBox="1"/>
-              <p:nvPr/>
-            </p:nvSpPr>
-            <p:spPr>
-              <a:xfrm>
-                <a:off x="943382" y="3343017"/>
-                <a:ext cx="6161143" cy="307777"/>
-              </a:xfrm>
-              <a:prstGeom prst="rect">
-                <a:avLst/>
-              </a:prstGeom>
-              <a:noFill/>
-            </p:spPr>
-            <p:txBody>
-              <a:bodyPr wrap="square" lIns="0" tIns="0" rIns="0" bIns="0" rtlCol="0">
-                <a:spAutoFit/>
-              </a:bodyPr>
-              <a:lstStyle/>
-              <a:p>
-                <a:pPr/>
-                <a14:m>
-                  <m:oMathPara xmlns:m="http://schemas.openxmlformats.org/officeDocument/2006/math">
-                    <m:oMathParaPr>
-                      <m:jc m:val="centerGroup"/>
-                    </m:oMathParaPr>
-                    <m:oMath xmlns:m="http://schemas.openxmlformats.org/officeDocument/2006/math">
-                      <m:sSub>
-                        <m:sSubPr>
-                          <m:ctrlPr>
-                            <a:rPr lang="en-US" sz="2000" b="0" i="1" smtClean="0">
-                              <a:solidFill>
-                                <a:schemeClr val="bg1"/>
-                              </a:solidFill>
-                              <a:latin typeface="Cambria Math" panose="02040503050406030204" pitchFamily="18" charset="0"/>
-                            </a:rPr>
-                          </m:ctrlPr>
-                        </m:sSubPr>
-                        <m:e>
-                          <m:r>
-                            <a:rPr lang="en-US" sz="2000" b="0" i="1" smtClean="0">
-                              <a:solidFill>
-                                <a:schemeClr val="bg1"/>
-                              </a:solidFill>
-                              <a:latin typeface="Cambria Math" panose="02040503050406030204" pitchFamily="18" charset="0"/>
-                            </a:rPr>
-                            <m:t>𝑋</m:t>
-                          </m:r>
-                        </m:e>
-                        <m:sub>
-                          <m:r>
-                            <a:rPr lang="en-US" sz="2000" b="0" i="1" smtClean="0">
-                              <a:solidFill>
-                                <a:schemeClr val="bg1"/>
-                              </a:solidFill>
-                              <a:latin typeface="Cambria Math" panose="02040503050406030204" pitchFamily="18" charset="0"/>
-                            </a:rPr>
-                            <m:t>2</m:t>
-                          </m:r>
-                        </m:sub>
-                      </m:sSub>
-                      <m:r>
-                        <a:rPr lang="en-US" sz="2000" b="0" i="1" smtClean="0">
-                          <a:solidFill>
-                            <a:schemeClr val="bg1"/>
-                          </a:solidFill>
-                          <a:latin typeface="Cambria Math" panose="02040503050406030204" pitchFamily="18" charset="0"/>
-                        </a:rPr>
-                        <m:t>=</m:t>
-                      </m:r>
-                      <m:r>
-                        <a:rPr lang="en-US" sz="2000" b="0" i="1" smtClean="0">
-                          <a:solidFill>
-                            <a:schemeClr val="bg1"/>
-                          </a:solidFill>
-                          <a:latin typeface="Cambria Math" panose="02040503050406030204" pitchFamily="18" charset="0"/>
-                        </a:rPr>
-                        <m:t>𝑂𝑅𝐸𝐵</m:t>
-                      </m:r>
-                      <m:r>
-                        <a:rPr lang="en-US" sz="2000" b="0" i="1" smtClean="0">
-                          <a:solidFill>
-                            <a:schemeClr val="bg1"/>
-                          </a:solidFill>
-                          <a:latin typeface="Cambria Math" panose="02040503050406030204" pitchFamily="18" charset="0"/>
-                        </a:rPr>
-                        <m:t>% −</m:t>
-                      </m:r>
-                      <m:r>
-                        <a:rPr lang="en-US" sz="2000" b="0" i="1" smtClean="0">
-                          <a:solidFill>
-                            <a:schemeClr val="bg1"/>
-                          </a:solidFill>
-                          <a:latin typeface="Cambria Math" panose="02040503050406030204" pitchFamily="18" charset="0"/>
-                        </a:rPr>
-                        <m:t>𝐷𝑅𝐸𝐵</m:t>
-                      </m:r>
-                      <m:r>
-                        <a:rPr lang="en-US" sz="2000" b="0" i="1" smtClean="0">
-                          <a:solidFill>
-                            <a:schemeClr val="bg1"/>
-                          </a:solidFill>
-                          <a:latin typeface="Cambria Math" panose="02040503050406030204" pitchFamily="18" charset="0"/>
-                        </a:rPr>
-                        <m:t>%</m:t>
-                      </m:r>
-                    </m:oMath>
-                  </m:oMathPara>
-                </a14:m>
-                <a:endParaRPr lang="en-US" sz="2000" dirty="0">
-                  <a:solidFill>
-                    <a:schemeClr val="bg1"/>
-                  </a:solidFill>
-                </a:endParaRPr>
-              </a:p>
-            </p:txBody>
-          </p:sp>
-        </mc:Choice>
-        <mc:Fallback xmlns="">
-          <p:sp>
-            <p:nvSpPr>
-              <p:cNvPr id="25" name="TextBox 24">
-                <a:extLst>
-                  <a:ext uri="{FF2B5EF4-FFF2-40B4-BE49-F238E27FC236}">
-                    <a16:creationId xmlns:a16="http://schemas.microsoft.com/office/drawing/2014/main" id="{91D5B956-462E-4359-B755-40CD04E7609B}"/>
-                  </a:ext>
-                </a:extLst>
-              </p:cNvPr>
-              <p:cNvSpPr txBox="1">
-                <a:spLocks noRot="1" noChangeAspect="1" noMove="1" noResize="1" noEditPoints="1" noAdjustHandles="1" noChangeArrowheads="1" noChangeShapeType="1" noTextEdit="1"/>
-              </p:cNvSpPr>
-              <p:nvPr/>
-            </p:nvSpPr>
-            <p:spPr>
-              <a:xfrm>
-                <a:off x="943382" y="3343017"/>
-                <a:ext cx="6161143" cy="307777"/>
-              </a:xfrm>
-              <a:prstGeom prst="rect">
-                <a:avLst/>
-              </a:prstGeom>
-              <a:blipFill>
-                <a:blip r:embed="rId7"/>
-                <a:stretch>
-                  <a:fillRect b="-19608"/>
-                </a:stretch>
-              </a:blipFill>
-            </p:spPr>
-            <p:txBody>
-              <a:bodyPr/>
-              <a:lstStyle/>
-              <a:p>
-                <a:r>
-                  <a:rPr lang="en-US">
-                    <a:noFill/>
-                  </a:rPr>
-                  <a:t> </a:t>
-                </a:r>
-              </a:p>
-            </p:txBody>
-          </p:sp>
-        </mc:Fallback>
-      </mc:AlternateContent>
-      <mc:AlternateContent xmlns:mc="http://schemas.openxmlformats.org/markup-compatibility/2006" xmlns:a14="http://schemas.microsoft.com/office/drawing/2010/main">
-        <mc:Choice Requires="a14">
-          <p:sp>
-            <p:nvSpPr>
-              <p:cNvPr id="26" name="TextBox 25">
-                <a:extLst>
-                  <a:ext uri="{FF2B5EF4-FFF2-40B4-BE49-F238E27FC236}">
-                    <a16:creationId xmlns:a16="http://schemas.microsoft.com/office/drawing/2014/main" id="{7C6EA8AC-51A9-4BAA-9B85-F244E2EDD032}"/>
-                  </a:ext>
-                </a:extLst>
-              </p:cNvPr>
-              <p:cNvSpPr txBox="1"/>
-              <p:nvPr/>
-            </p:nvSpPr>
-            <p:spPr>
-              <a:xfrm>
-                <a:off x="1165265" y="3855427"/>
-                <a:ext cx="6161143" cy="307777"/>
-              </a:xfrm>
-              <a:prstGeom prst="rect">
-                <a:avLst/>
-              </a:prstGeom>
-              <a:noFill/>
-              <a:ln>
-                <a:noFill/>
-              </a:ln>
-            </p:spPr>
-            <p:txBody>
-              <a:bodyPr wrap="square" lIns="0" tIns="0" rIns="0" bIns="0" rtlCol="0">
-                <a:spAutoFit/>
-              </a:bodyPr>
-              <a:lstStyle/>
-              <a:p>
-                <a:pPr/>
-                <a14:m>
-                  <m:oMathPara xmlns:m="http://schemas.openxmlformats.org/officeDocument/2006/math">
-                    <m:oMathParaPr>
-                      <m:jc m:val="centerGroup"/>
-                    </m:oMathParaPr>
-                    <m:oMath xmlns:m="http://schemas.openxmlformats.org/officeDocument/2006/math">
-                      <m:sSub>
-                        <m:sSubPr>
-                          <m:ctrlPr>
-                            <a:rPr lang="en-US" sz="2000" b="0" i="1" smtClean="0">
-                              <a:solidFill>
-                                <a:schemeClr val="bg1"/>
-                              </a:solidFill>
-                              <a:latin typeface="Cambria Math" panose="02040503050406030204" pitchFamily="18" charset="0"/>
-                            </a:rPr>
-                          </m:ctrlPr>
-                        </m:sSubPr>
-                        <m:e>
-                          <m:r>
-                            <a:rPr lang="en-US" sz="2000" b="0" i="1" smtClean="0">
-                              <a:solidFill>
-                                <a:schemeClr val="bg1"/>
-                              </a:solidFill>
-                              <a:latin typeface="Cambria Math" panose="02040503050406030204" pitchFamily="18" charset="0"/>
-                            </a:rPr>
-                            <m:t>𝑋</m:t>
-                          </m:r>
-                        </m:e>
-                        <m:sub>
-                          <m:r>
-                            <a:rPr lang="en-US" sz="2000" b="0" i="1" smtClean="0">
-                              <a:solidFill>
-                                <a:schemeClr val="bg1"/>
-                              </a:solidFill>
-                              <a:latin typeface="Cambria Math" panose="02040503050406030204" pitchFamily="18" charset="0"/>
-                            </a:rPr>
-                            <m:t>3</m:t>
-                          </m:r>
-                        </m:sub>
-                      </m:sSub>
-                      <m:r>
-                        <a:rPr lang="en-US" sz="2000" b="0" i="1" smtClean="0">
-                          <a:solidFill>
-                            <a:schemeClr val="bg1"/>
-                          </a:solidFill>
-                          <a:latin typeface="Cambria Math" panose="02040503050406030204" pitchFamily="18" charset="0"/>
-                        </a:rPr>
-                        <m:t>=</m:t>
-                      </m:r>
-                      <m:r>
-                        <a:rPr lang="en-US" sz="2000" b="0" i="1" smtClean="0">
-                          <a:solidFill>
-                            <a:schemeClr val="bg1"/>
-                          </a:solidFill>
-                          <a:latin typeface="Cambria Math" panose="02040503050406030204" pitchFamily="18" charset="0"/>
-                        </a:rPr>
-                        <m:t>𝐹𝑇𝑅</m:t>
-                      </m:r>
-                      <m:r>
-                        <a:rPr lang="en-US" sz="2000" b="0" i="1" smtClean="0">
-                          <a:solidFill>
-                            <a:schemeClr val="bg1"/>
-                          </a:solidFill>
-                          <a:latin typeface="Cambria Math" panose="02040503050406030204" pitchFamily="18" charset="0"/>
-                        </a:rPr>
-                        <m:t>−</m:t>
-                      </m:r>
-                      <m:r>
-                        <a:rPr lang="en-US" sz="2000" b="0" i="1" smtClean="0">
-                          <a:solidFill>
-                            <a:schemeClr val="bg1"/>
-                          </a:solidFill>
-                          <a:latin typeface="Cambria Math" panose="02040503050406030204" pitchFamily="18" charset="0"/>
-                        </a:rPr>
-                        <m:t>𝑂𝑝𝑝𝑜𝑛𝑒𝑛</m:t>
-                      </m:r>
-                      <m:sSup>
-                        <m:sSupPr>
-                          <m:ctrlPr>
-                            <a:rPr lang="en-US" sz="2000" b="0" i="1" smtClean="0">
-                              <a:solidFill>
-                                <a:schemeClr val="bg1"/>
-                              </a:solidFill>
-                              <a:latin typeface="Cambria Math" panose="02040503050406030204" pitchFamily="18" charset="0"/>
-                            </a:rPr>
-                          </m:ctrlPr>
-                        </m:sSupPr>
-                        <m:e>
-                          <m:r>
-                            <a:rPr lang="en-US" sz="2000" b="0" i="1" smtClean="0">
-                              <a:solidFill>
-                                <a:schemeClr val="bg1"/>
-                              </a:solidFill>
-                              <a:latin typeface="Cambria Math" panose="02040503050406030204" pitchFamily="18" charset="0"/>
-                            </a:rPr>
-                            <m:t>𝑡</m:t>
-                          </m:r>
-                        </m:e>
-                        <m:sup>
-                          <m:r>
-                            <a:rPr lang="en-US" sz="2000" b="0" i="1" smtClean="0">
-                              <a:solidFill>
-                                <a:schemeClr val="bg1"/>
-                              </a:solidFill>
-                              <a:latin typeface="Cambria Math" panose="02040503050406030204" pitchFamily="18" charset="0"/>
-                            </a:rPr>
-                            <m:t>′</m:t>
-                          </m:r>
-                        </m:sup>
-                      </m:sSup>
-                      <m:r>
-                        <a:rPr lang="en-US" sz="2000" b="0" i="1" smtClean="0">
-                          <a:solidFill>
-                            <a:schemeClr val="bg1"/>
-                          </a:solidFill>
-                          <a:latin typeface="Cambria Math" panose="02040503050406030204" pitchFamily="18" charset="0"/>
-                        </a:rPr>
-                        <m:t>𝑠</m:t>
-                      </m:r>
-                      <m:r>
-                        <a:rPr lang="en-US" sz="2000" b="0" i="1" smtClean="0">
-                          <a:solidFill>
-                            <a:schemeClr val="bg1"/>
-                          </a:solidFill>
-                          <a:latin typeface="Cambria Math" panose="02040503050406030204" pitchFamily="18" charset="0"/>
-                        </a:rPr>
-                        <m:t> </m:t>
-                      </m:r>
-                      <m:r>
-                        <a:rPr lang="en-US" sz="2000" b="0" i="1" smtClean="0">
-                          <a:solidFill>
-                            <a:schemeClr val="bg1"/>
-                          </a:solidFill>
-                          <a:latin typeface="Cambria Math" panose="02040503050406030204" pitchFamily="18" charset="0"/>
-                        </a:rPr>
-                        <m:t>𝐹𝑇𝑅</m:t>
-                      </m:r>
-                    </m:oMath>
-                  </m:oMathPara>
-                </a14:m>
-                <a:endParaRPr lang="en-US" sz="2000" dirty="0">
-                  <a:solidFill>
-                    <a:schemeClr val="bg1"/>
-                  </a:solidFill>
-                </a:endParaRPr>
-              </a:p>
-            </p:txBody>
-          </p:sp>
-        </mc:Choice>
-        <mc:Fallback xmlns="">
-          <p:sp>
-            <p:nvSpPr>
-              <p:cNvPr id="26" name="TextBox 25">
-                <a:extLst>
-                  <a:ext uri="{FF2B5EF4-FFF2-40B4-BE49-F238E27FC236}">
-                    <a16:creationId xmlns:a16="http://schemas.microsoft.com/office/drawing/2014/main" id="{7C6EA8AC-51A9-4BAA-9B85-F244E2EDD032}"/>
-                  </a:ext>
-                </a:extLst>
-              </p:cNvPr>
-              <p:cNvSpPr txBox="1">
-                <a:spLocks noRot="1" noChangeAspect="1" noMove="1" noResize="1" noEditPoints="1" noAdjustHandles="1" noChangeArrowheads="1" noChangeShapeType="1" noTextEdit="1"/>
-              </p:cNvSpPr>
-              <p:nvPr/>
-            </p:nvSpPr>
-            <p:spPr>
-              <a:xfrm>
-                <a:off x="1165265" y="3855427"/>
-                <a:ext cx="6161143" cy="307777"/>
-              </a:xfrm>
-              <a:prstGeom prst="rect">
-                <a:avLst/>
-              </a:prstGeom>
-              <a:blipFill>
-                <a:blip r:embed="rId8"/>
-                <a:stretch>
-                  <a:fillRect b="-35294"/>
-                </a:stretch>
-              </a:blipFill>
-              <a:ln>
-                <a:noFill/>
-              </a:ln>
-            </p:spPr>
-            <p:txBody>
-              <a:bodyPr/>
-              <a:lstStyle/>
-              <a:p>
-                <a:r>
-                  <a:rPr lang="en-US">
-                    <a:noFill/>
-                  </a:rPr>
-                  <a:t> </a:t>
-                </a:r>
-              </a:p>
-            </p:txBody>
-          </p:sp>
-        </mc:Fallback>
-      </mc:AlternateContent>
-      <mc:AlternateContent xmlns:mc="http://schemas.openxmlformats.org/markup-compatibility/2006" xmlns:a14="http://schemas.microsoft.com/office/drawing/2010/main">
-        <mc:Choice Requires="a14">
-          <p:sp>
-            <p:nvSpPr>
-              <p:cNvPr id="28" name="TextBox 27">
-                <a:extLst>
-                  <a:ext uri="{FF2B5EF4-FFF2-40B4-BE49-F238E27FC236}">
-                    <a16:creationId xmlns:a16="http://schemas.microsoft.com/office/drawing/2014/main" id="{4D08841C-DB2C-4013-B7ED-E4B52B9BF4C9}"/>
-                  </a:ext>
-                </a:extLst>
-              </p:cNvPr>
-              <p:cNvSpPr txBox="1"/>
-              <p:nvPr/>
-            </p:nvSpPr>
-            <p:spPr>
-              <a:xfrm>
-                <a:off x="673433" y="2963143"/>
-                <a:ext cx="6161143" cy="307777"/>
-              </a:xfrm>
-              <a:prstGeom prst="rect">
-                <a:avLst/>
-              </a:prstGeom>
-              <a:noFill/>
-            </p:spPr>
-            <p:txBody>
-              <a:bodyPr wrap="square" lIns="0" tIns="0" rIns="0" bIns="0" rtlCol="0">
-                <a:spAutoFit/>
-              </a:bodyPr>
-              <a:lstStyle/>
-              <a:p>
-                <a:pPr/>
-                <a14:m>
-                  <m:oMathPara xmlns:m="http://schemas.openxmlformats.org/officeDocument/2006/math">
-                    <m:oMathParaPr>
-                      <m:jc m:val="centerGroup"/>
-                    </m:oMathParaPr>
-                    <m:oMath xmlns:m="http://schemas.openxmlformats.org/officeDocument/2006/math">
-                      <m:sSub>
-                        <m:sSubPr>
-                          <m:ctrlPr>
-                            <a:rPr lang="en-US" sz="2000" b="0" i="1" smtClean="0">
-                              <a:solidFill>
-                                <a:schemeClr val="bg1"/>
-                              </a:solidFill>
-                              <a:latin typeface="Cambria Math" panose="02040503050406030204" pitchFamily="18" charset="0"/>
-                            </a:rPr>
-                          </m:ctrlPr>
-                        </m:sSubPr>
-                        <m:e>
-                          <m:r>
-                            <a:rPr lang="en-US" sz="2000" b="0" i="1" smtClean="0">
-                              <a:solidFill>
-                                <a:schemeClr val="bg1"/>
-                              </a:solidFill>
-                              <a:latin typeface="Cambria Math" panose="02040503050406030204" pitchFamily="18" charset="0"/>
-                            </a:rPr>
-                            <m:t>𝑋</m:t>
-                          </m:r>
-                        </m:e>
-                        <m:sub>
-                          <m:r>
-                            <a:rPr lang="en-US" sz="2000" b="0" i="1" smtClean="0">
-                              <a:solidFill>
-                                <a:schemeClr val="bg1"/>
-                              </a:solidFill>
-                              <a:latin typeface="Cambria Math" panose="02040503050406030204" pitchFamily="18" charset="0"/>
-                            </a:rPr>
-                            <m:t>4</m:t>
-                          </m:r>
-                        </m:sub>
-                      </m:sSub>
-                      <m:r>
-                        <a:rPr lang="en-US" sz="2000" b="0" i="1" smtClean="0">
-                          <a:solidFill>
-                            <a:schemeClr val="bg1"/>
-                          </a:solidFill>
-                          <a:latin typeface="Cambria Math" panose="02040503050406030204" pitchFamily="18" charset="0"/>
-                        </a:rPr>
-                        <m:t>=</m:t>
-                      </m:r>
-                      <m:r>
-                        <a:rPr lang="en-US" sz="2000" b="0" i="1" smtClean="0">
-                          <a:solidFill>
-                            <a:schemeClr val="bg1"/>
-                          </a:solidFill>
-                          <a:latin typeface="Cambria Math" panose="02040503050406030204" pitchFamily="18" charset="0"/>
-                        </a:rPr>
-                        <m:t>𝑇𝑂</m:t>
-                      </m:r>
-                      <m:r>
-                        <a:rPr lang="en-US" sz="2000" b="0" i="1" smtClean="0">
-                          <a:solidFill>
-                            <a:schemeClr val="bg1"/>
-                          </a:solidFill>
-                          <a:latin typeface="Cambria Math" panose="02040503050406030204" pitchFamily="18" charset="0"/>
-                        </a:rPr>
-                        <m:t>% −</m:t>
-                      </m:r>
-                      <m:r>
-                        <a:rPr lang="en-US" sz="2000" b="0" i="1" smtClean="0">
-                          <a:solidFill>
-                            <a:schemeClr val="bg1"/>
-                          </a:solidFill>
-                          <a:latin typeface="Cambria Math" panose="02040503050406030204" pitchFamily="18" charset="0"/>
-                        </a:rPr>
-                        <m:t>𝐷𝑇𝑂</m:t>
-                      </m:r>
-                      <m:r>
-                        <a:rPr lang="en-US" sz="2000" b="0" i="1" smtClean="0">
-                          <a:solidFill>
-                            <a:schemeClr val="bg1"/>
-                          </a:solidFill>
-                          <a:latin typeface="Cambria Math" panose="02040503050406030204" pitchFamily="18" charset="0"/>
-                        </a:rPr>
-                        <m:t>%</m:t>
-                      </m:r>
-                    </m:oMath>
-                  </m:oMathPara>
-                </a14:m>
-                <a:endParaRPr lang="en-US" sz="2000" dirty="0">
-                  <a:solidFill>
-                    <a:schemeClr val="bg1"/>
-                  </a:solidFill>
-                </a:endParaRPr>
-              </a:p>
-            </p:txBody>
-          </p:sp>
-        </mc:Choice>
-        <mc:Fallback xmlns="">
-          <p:sp>
-            <p:nvSpPr>
-              <p:cNvPr id="28" name="TextBox 27">
-                <a:extLst>
-                  <a:ext uri="{FF2B5EF4-FFF2-40B4-BE49-F238E27FC236}">
-                    <a16:creationId xmlns:a16="http://schemas.microsoft.com/office/drawing/2014/main" id="{4D08841C-DB2C-4013-B7ED-E4B52B9BF4C9}"/>
-                  </a:ext>
-                </a:extLst>
-              </p:cNvPr>
-              <p:cNvSpPr txBox="1">
-                <a:spLocks noRot="1" noChangeAspect="1" noMove="1" noResize="1" noEditPoints="1" noAdjustHandles="1" noChangeArrowheads="1" noChangeShapeType="1" noTextEdit="1"/>
-              </p:cNvSpPr>
-              <p:nvPr/>
-            </p:nvSpPr>
-            <p:spPr>
-              <a:xfrm>
-                <a:off x="673433" y="2963143"/>
-                <a:ext cx="6161143" cy="307777"/>
-              </a:xfrm>
-              <a:prstGeom prst="rect">
-                <a:avLst/>
-              </a:prstGeom>
-              <a:blipFill>
-                <a:blip r:embed="rId9"/>
-                <a:stretch>
-                  <a:fillRect b="-17647"/>
-                </a:stretch>
-              </a:blipFill>
-            </p:spPr>
-            <p:txBody>
-              <a:bodyPr/>
-              <a:lstStyle/>
-              <a:p>
-                <a:r>
-                  <a:rPr lang="en-US">
-                    <a:noFill/>
-                  </a:rPr>
-                  <a:t> </a:t>
-                </a:r>
-              </a:p>
-            </p:txBody>
-          </p:sp>
-        </mc:Fallback>
-      </mc:AlternateContent>
+      <p:pic>
+        <p:nvPicPr>
+          <p:cNvPr id="6" name="Picture 5">
+            <a:extLst>
+              <a:ext uri="{FF2B5EF4-FFF2-40B4-BE49-F238E27FC236}">
+                <a16:creationId xmlns:a16="http://schemas.microsoft.com/office/drawing/2014/main" id="{6038439C-A2C7-4FEF-9C04-A82740DDDB75}"/>
+              </a:ext>
+            </a:extLst>
+          </p:cNvPr>
+          <p:cNvPicPr>
+            <a:picLocks noChangeAspect="1"/>
+          </p:cNvPicPr>
+          <p:nvPr/>
+        </p:nvPicPr>
+        <p:blipFill>
+          <a:blip r:embed="rId6"/>
+          <a:stretch>
+            <a:fillRect/>
+          </a:stretch>
+        </p:blipFill>
+        <p:spPr>
+          <a:xfrm>
+            <a:off x="2395589" y="2048501"/>
+            <a:ext cx="7109357" cy="4573535"/>
+          </a:xfrm>
+          <a:prstGeom prst="rect">
+            <a:avLst/>
+          </a:prstGeom>
+          <a:ln w="38100">
+            <a:solidFill>
+              <a:srgbClr val="A6A1A1"/>
+            </a:solidFill>
+          </a:ln>
+        </p:spPr>
+      </p:pic>
       <p:sp>
         <p:nvSpPr>
-          <p:cNvPr id="4" name="Arrow: Bent-Up 3">
-            <a:extLst>
-              <a:ext uri="{FF2B5EF4-FFF2-40B4-BE49-F238E27FC236}">
-                <a16:creationId xmlns:a16="http://schemas.microsoft.com/office/drawing/2014/main" id="{248056CC-2824-4293-844B-63AA66A7A106}"/>
+          <p:cNvPr id="7" name="Oval 6">
+            <a:extLst>
+              <a:ext uri="{FF2B5EF4-FFF2-40B4-BE49-F238E27FC236}">
+                <a16:creationId xmlns:a16="http://schemas.microsoft.com/office/drawing/2014/main" id="{B3B41E9C-796F-4D0F-83CB-8C3D4F9FA9CC}"/>
               </a:ext>
             </a:extLst>
           </p:cNvPr>
@@ -6161,15 +5350,18 @@
           <p:nvPr/>
         </p:nvSpPr>
         <p:spPr>
-          <a:xfrm rot="5400000">
-            <a:off x="4076575" y="4214864"/>
-            <a:ext cx="627298" cy="732542"/>
-          </a:xfrm>
-          <a:prstGeom prst="bentUpArrow">
-            <a:avLst/>
-          </a:prstGeom>
-          <a:ln>
-            <a:noFill/>
+          <a:xfrm>
+            <a:off x="8434137" y="3932600"/>
+            <a:ext cx="1088059" cy="254389"/>
+          </a:xfrm>
+          <a:prstGeom prst="ellipse">
+            <a:avLst/>
+          </a:prstGeom>
+          <a:noFill/>
+          <a:ln w="38100">
+            <a:solidFill>
+              <a:srgbClr val="D34817"/>
+            </a:solidFill>
           </a:ln>
         </p:spPr>
         <p:style>
@@ -6199,10 +5391,62 @@
       </p:sp>
       <p:sp>
         <p:nvSpPr>
-          <p:cNvPr id="5" name="TextBox 4">
-            <a:extLst>
-              <a:ext uri="{FF2B5EF4-FFF2-40B4-BE49-F238E27FC236}">
-                <a16:creationId xmlns:a16="http://schemas.microsoft.com/office/drawing/2014/main" id="{A4FD356C-1B66-4DF5-81D9-0A98F60A00AC}"/>
+          <p:cNvPr id="30" name="Oval 29">
+            <a:extLst>
+              <a:ext uri="{FF2B5EF4-FFF2-40B4-BE49-F238E27FC236}">
+                <a16:creationId xmlns:a16="http://schemas.microsoft.com/office/drawing/2014/main" id="{95C5EE9D-1A72-4725-BE46-1FA4BFA8A162}"/>
+              </a:ext>
+            </a:extLst>
+          </p:cNvPr>
+          <p:cNvSpPr/>
+          <p:nvPr/>
+        </p:nvSpPr>
+        <p:spPr>
+          <a:xfrm>
+            <a:off x="8477550" y="4920678"/>
+            <a:ext cx="1088059" cy="254389"/>
+          </a:xfrm>
+          <a:prstGeom prst="ellipse">
+            <a:avLst/>
+          </a:prstGeom>
+          <a:noFill/>
+          <a:ln w="38100">
+            <a:solidFill>
+              <a:srgbClr val="D34817"/>
+            </a:solidFill>
+          </a:ln>
+        </p:spPr>
+        <p:style>
+          <a:lnRef idx="2">
+            <a:schemeClr val="accent1">
+              <a:shade val="50000"/>
+            </a:schemeClr>
+          </a:lnRef>
+          <a:fillRef idx="1">
+            <a:schemeClr val="accent1"/>
+          </a:fillRef>
+          <a:effectRef idx="0">
+            <a:schemeClr val="accent1"/>
+          </a:effectRef>
+          <a:fontRef idx="minor">
+            <a:schemeClr val="lt1"/>
+          </a:fontRef>
+        </p:style>
+        <p:txBody>
+          <a:bodyPr rtlCol="0" anchor="ctr"/>
+          <a:lstStyle/>
+          <a:p>
+            <a:pPr algn="ctr"/>
+            <a:endParaRPr lang="en-US"/>
+          </a:p>
+        </p:txBody>
+      </p:sp>
+      <p:sp>
+        <p:nvSpPr>
+          <p:cNvPr id="8" name="TextBox 7">
+            <a:extLst>
+              <a:ext uri="{FF2B5EF4-FFF2-40B4-BE49-F238E27FC236}">
+                <a16:creationId xmlns:a16="http://schemas.microsoft.com/office/drawing/2014/main" id="{D092E6A4-3D6B-43B3-9BF4-02E9370E83FA}"/>
               </a:ext>
             </a:extLst>
           </p:cNvPr>
@@ -6211,8 +5455,8 @@
         </p:nvSpPr>
         <p:spPr>
           <a:xfrm>
-            <a:off x="4779129" y="4514044"/>
-            <a:ext cx="3261756" cy="400110"/>
+            <a:off x="9542666" y="3887888"/>
+            <a:ext cx="2049379" cy="1323439"/>
           </a:xfrm>
           <a:prstGeom prst="rect">
             <a:avLst/>
@@ -6233,7 +5477,37 @@
                 <a:latin typeface="Calibri" panose="020F0502020204030204" pitchFamily="34" charset="0"/>
                 <a:cs typeface="Calibri" panose="020F0502020204030204" pitchFamily="34" charset="0"/>
               </a:rPr>
-              <a:t>Not Statistically Significant</a:t>
+              <a:t>FTR</a:t>
+            </a:r>
+          </a:p>
+          <a:p>
+            <a:endParaRPr lang="en-US" sz="2000" dirty="0">
+              <a:solidFill>
+                <a:schemeClr val="bg1"/>
+              </a:solidFill>
+              <a:latin typeface="Calibri" panose="020F0502020204030204" pitchFamily="34" charset="0"/>
+              <a:cs typeface="Calibri" panose="020F0502020204030204" pitchFamily="34" charset="0"/>
+            </a:endParaRPr>
+          </a:p>
+          <a:p>
+            <a:endParaRPr lang="en-US" sz="2000" dirty="0">
+              <a:solidFill>
+                <a:schemeClr val="bg1"/>
+              </a:solidFill>
+              <a:latin typeface="Calibri" panose="020F0502020204030204" pitchFamily="34" charset="0"/>
+              <a:cs typeface="Calibri" panose="020F0502020204030204" pitchFamily="34" charset="0"/>
+            </a:endParaRPr>
+          </a:p>
+          <a:p>
+            <a:r>
+              <a:rPr lang="en-US" sz="2000" dirty="0">
+                <a:solidFill>
+                  <a:schemeClr val="bg1"/>
+                </a:solidFill>
+                <a:latin typeface="Calibri" panose="020F0502020204030204" pitchFamily="34" charset="0"/>
+                <a:cs typeface="Calibri" panose="020F0502020204030204" pitchFamily="34" charset="0"/>
+              </a:rPr>
+              <a:t>Opponent’s FTR</a:t>
             </a:r>
           </a:p>
         </p:txBody>
@@ -18740,15 +18014,21 @@
             </a:endParaRPr>
           </a:p>
           <a:p>
-            <a:pPr lvl="1">
+            <a:pPr>
+              <a:spcBef>
+                <a:spcPts val="0"/>
+              </a:spcBef>
               <a:buSzPct val="100000"/>
             </a:pPr>
-            <a:endParaRPr lang="en-US" sz="2000" dirty="0">
-              <a:solidFill>
-                <a:schemeClr val="bg1"/>
-              </a:solidFill>
-              <a:latin typeface="Selawik Semibold" panose="020B0702040204020203" pitchFamily="34" charset="0"/>
-            </a:endParaRPr>
+            <a:r>
+              <a:rPr lang="en-US" sz="2400" dirty="0">
+                <a:solidFill>
+                  <a:schemeClr val="bg1"/>
+                </a:solidFill>
+                <a:latin typeface="Selawik Semibold" panose="020B0702040204020203" pitchFamily="34" charset="0"/>
+              </a:rPr>
+              <a:t>Four Factors Credited to Dean Oliver (Denver Nuggets)</a:t>
+            </a:r>
           </a:p>
           <a:p>
             <a:pPr lvl="3">
@@ -19740,7 +19020,7 @@
                 </a:solidFill>
                 <a:latin typeface="Selawik Semibold" panose="020B0702040204020203" pitchFamily="34" charset="0"/>
               </a:rPr>
-              <a:t>Four Covariates</a:t>
+              <a:t>Eight Covariates</a:t>
             </a:r>
             <a:endParaRPr lang="en-US" sz="1800" dirty="0">
               <a:solidFill>
@@ -20336,8 +19616,8 @@
           </a:p>
         </p:txBody>
       </p:sp>
-      <mc:AlternateContent xmlns:mc="http://schemas.openxmlformats.org/markup-compatibility/2006" xmlns:a14="http://schemas.microsoft.com/office/drawing/2010/main">
-        <mc:Choice Requires="a14">
+      <mc:AlternateContent xmlns:mc="http://schemas.openxmlformats.org/markup-compatibility/2006">
+        <mc:Choice xmlns:a14="http://schemas.microsoft.com/office/drawing/2010/main" Requires="a14">
           <p:sp>
             <p:nvSpPr>
               <p:cNvPr id="21" name="TextBox 20">
@@ -20352,7 +19632,7 @@
             </p:nvSpPr>
             <p:spPr>
               <a:xfrm>
-                <a:off x="2256632" y="4407166"/>
+                <a:off x="2136182" y="4346070"/>
                 <a:ext cx="6161143" cy="369332"/>
               </a:xfrm>
               <a:prstGeom prst="rect">
@@ -20588,74 +19868,15 @@
                         </a:rPr>
                         <m:t>+</m:t>
                       </m:r>
-                      <m:sSub>
-                        <m:sSubPr>
-                          <m:ctrlPr>
-                            <a:rPr lang="en-US" sz="2400" i="1">
-                              <a:solidFill>
-                                <a:schemeClr val="bg1"/>
-                              </a:solidFill>
-                              <a:latin typeface="Cambria Math" panose="02040503050406030204" pitchFamily="18" charset="0"/>
-                            </a:rPr>
-                          </m:ctrlPr>
-                        </m:sSubPr>
-                        <m:e>
-                          <m:r>
-                            <a:rPr lang="en-US" sz="2400" i="1">
-                              <a:solidFill>
-                                <a:schemeClr val="bg1"/>
-                              </a:solidFill>
-                              <a:latin typeface="Cambria Math" panose="02040503050406030204" pitchFamily="18" charset="0"/>
-                            </a:rPr>
-                            <m:t>𝛽</m:t>
-                          </m:r>
-                        </m:e>
-                        <m:sub>
-                          <m:r>
-                            <a:rPr lang="en-US" sz="2400" b="0" i="1" smtClean="0">
-                              <a:solidFill>
-                                <a:schemeClr val="bg1"/>
-                              </a:solidFill>
-                              <a:latin typeface="Cambria Math" panose="02040503050406030204" pitchFamily="18" charset="0"/>
-                            </a:rPr>
-                            <m:t>3</m:t>
-                          </m:r>
-                        </m:sub>
-                      </m:sSub>
-                      <m:sSub>
-                        <m:sSubPr>
-                          <m:ctrlPr>
-                            <a:rPr lang="en-US" sz="2400" i="1">
-                              <a:solidFill>
-                                <a:schemeClr val="bg1"/>
-                              </a:solidFill>
-                              <a:latin typeface="Cambria Math" panose="02040503050406030204" pitchFamily="18" charset="0"/>
-                            </a:rPr>
-                          </m:ctrlPr>
-                        </m:sSubPr>
-                        <m:e>
-                          <m:r>
-                            <a:rPr lang="en-US" sz="2400" i="1">
-                              <a:solidFill>
-                                <a:schemeClr val="bg1"/>
-                              </a:solidFill>
-                              <a:latin typeface="Cambria Math" panose="02040503050406030204" pitchFamily="18" charset="0"/>
-                            </a:rPr>
-                            <m:t>𝑋</m:t>
-                          </m:r>
-                        </m:e>
-                        <m:sub>
-                          <m:r>
-                            <a:rPr lang="en-US" sz="2400" b="0" i="1" smtClean="0">
-                              <a:solidFill>
-                                <a:schemeClr val="bg1"/>
-                              </a:solidFill>
-                              <a:latin typeface="Cambria Math" panose="02040503050406030204" pitchFamily="18" charset="0"/>
-                            </a:rPr>
-                            <m:t>3</m:t>
-                          </m:r>
-                        </m:sub>
-                      </m:sSub>
+                      <m:r>
+                        <a:rPr lang="en-US" sz="2400" b="0" i="1" smtClean="0">
+                          <a:solidFill>
+                            <a:schemeClr val="bg1"/>
+                          </a:solidFill>
+                          <a:latin typeface="Cambria Math" panose="02040503050406030204" pitchFamily="18" charset="0"/>
+                        </a:rPr>
+                        <m:t>⋯</m:t>
+                      </m:r>
                       <m:r>
                         <a:rPr lang="en-US" sz="2400" b="0" i="1" smtClean="0">
                           <a:solidFill>
@@ -20695,14 +19916,14 @@
                               </a:solidFill>
                               <a:latin typeface="Cambria Math" panose="02040503050406030204" pitchFamily="18" charset="0"/>
                             </a:rPr>
-                            <m:t>4</m:t>
+                            <m:t>8</m:t>
                           </m:r>
                         </m:sub>
                       </m:sSub>
                       <m:sSub>
                         <m:sSubPr>
                           <m:ctrlPr>
-                            <a:rPr lang="en-US" sz="2400" i="1">
+                            <a:rPr lang="en-US" sz="2400" b="0" i="1" smtClean="0">
                               <a:solidFill>
                                 <a:schemeClr val="bg1"/>
                               </a:solidFill>
@@ -20712,7 +19933,7 @@
                         </m:sSubPr>
                         <m:e>
                           <m:r>
-                            <a:rPr lang="en-US" sz="2400" i="1">
+                            <a:rPr lang="en-US" sz="2400" b="0" i="1" smtClean="0">
                               <a:solidFill>
                                 <a:schemeClr val="bg1"/>
                               </a:solidFill>
@@ -20729,7 +19950,7 @@
                               </a:solidFill>
                               <a:latin typeface="Cambria Math" panose="02040503050406030204" pitchFamily="18" charset="0"/>
                             </a:rPr>
-                            <m:t>4</m:t>
+                            <m:t>8</m:t>
                           </m:r>
                         </m:sub>
                       </m:sSub>
@@ -20763,7 +19984,7 @@
             </p:txBody>
           </p:sp>
         </mc:Choice>
-        <mc:Fallback xmlns="">
+        <mc:Fallback>
           <p:sp>
             <p:nvSpPr>
               <p:cNvPr id="21" name="TextBox 20">
@@ -20780,7 +20001,7 @@
             </p:nvSpPr>
             <p:spPr>
               <a:xfrm>
-                <a:off x="2256632" y="4407166"/>
+                <a:off x="2136182" y="4346070"/>
                 <a:ext cx="6161143" cy="369332"/>
               </a:xfrm>
               <a:prstGeom prst="rect">
@@ -20808,8 +20029,8 @@
           </p:sp>
         </mc:Fallback>
       </mc:AlternateContent>
-      <mc:AlternateContent xmlns:mc="http://schemas.openxmlformats.org/markup-compatibility/2006" xmlns:a14="http://schemas.microsoft.com/office/drawing/2010/main">
-        <mc:Choice Requires="a14">
+      <mc:AlternateContent xmlns:mc="http://schemas.openxmlformats.org/markup-compatibility/2006">
+        <mc:Choice xmlns:a14="http://schemas.microsoft.com/office/drawing/2010/main" Requires="a14">
           <p:sp>
             <p:nvSpPr>
               <p:cNvPr id="22" name="TextBox 21">
@@ -20824,7 +20045,7 @@
             </p:nvSpPr>
             <p:spPr>
               <a:xfrm>
-                <a:off x="1443448" y="5260726"/>
+                <a:off x="2671703" y="5249059"/>
                 <a:ext cx="6161143" cy="307777"/>
               </a:xfrm>
               <a:prstGeom prst="rect">
@@ -20842,7 +20063,7 @@
                 <a14:m>
                   <m:oMathPara xmlns:m="http://schemas.openxmlformats.org/officeDocument/2006/math">
                     <m:oMathParaPr>
-                      <m:jc m:val="centerGroup"/>
+                      <m:jc m:val="left"/>
                     </m:oMathParaPr>
                     <m:oMath xmlns:m="http://schemas.openxmlformats.org/officeDocument/2006/math">
                       <m:sSub>
@@ -20904,7 +20125,661 @@
                           </a:solidFill>
                           <a:latin typeface="Cambria Math" panose="02040503050406030204" pitchFamily="18" charset="0"/>
                         </a:rPr>
-                        <m:t>% −</m:t>
+                        <m:t>%</m:t>
+                      </m:r>
+                    </m:oMath>
+                  </m:oMathPara>
+                </a14:m>
+                <a:endParaRPr lang="en-US" sz="2000" dirty="0">
+                  <a:solidFill>
+                    <a:schemeClr val="bg1"/>
+                  </a:solidFill>
+                </a:endParaRPr>
+              </a:p>
+            </p:txBody>
+          </p:sp>
+        </mc:Choice>
+        <mc:Fallback>
+          <p:sp>
+            <p:nvSpPr>
+              <p:cNvPr id="22" name="TextBox 21">
+                <a:extLst>
+                  <a:ext uri="{FF2B5EF4-FFF2-40B4-BE49-F238E27FC236}">
+                    <a16:creationId xmlns:a16="http://schemas.microsoft.com/office/drawing/2014/main" id="{3B65BE4C-71FE-4538-9F6A-8196E87CB2CE}"/>
+                  </a:ext>
+                </a:extLst>
+              </p:cNvPr>
+              <p:cNvSpPr txBox="1">
+                <a:spLocks noRot="1" noChangeAspect="1" noMove="1" noResize="1" noEditPoints="1" noAdjustHandles="1" noChangeArrowheads="1" noChangeShapeType="1" noTextEdit="1"/>
+              </p:cNvSpPr>
+              <p:nvPr/>
+            </p:nvSpPr>
+            <p:spPr>
+              <a:xfrm>
+                <a:off x="2671703" y="5249059"/>
+                <a:ext cx="6161143" cy="307777"/>
+              </a:xfrm>
+              <a:prstGeom prst="rect">
+                <a:avLst/>
+              </a:prstGeom>
+              <a:blipFill>
+                <a:blip r:embed="rId7"/>
+                <a:stretch>
+                  <a:fillRect l="-1385" b="-17647"/>
+                </a:stretch>
+              </a:blipFill>
+            </p:spPr>
+            <p:txBody>
+              <a:bodyPr/>
+              <a:lstStyle/>
+              <a:p>
+                <a:r>
+                  <a:rPr lang="en-US">
+                    <a:noFill/>
+                  </a:rPr>
+                  <a:t> </a:t>
+                </a:r>
+              </a:p>
+            </p:txBody>
+          </p:sp>
+        </mc:Fallback>
+      </mc:AlternateContent>
+      <mc:AlternateContent xmlns:mc="http://schemas.openxmlformats.org/markup-compatibility/2006">
+        <mc:Choice xmlns:a14="http://schemas.microsoft.com/office/drawing/2010/main" Requires="a14">
+          <p:sp>
+            <p:nvSpPr>
+              <p:cNvPr id="25" name="TextBox 24">
+                <a:extLst>
+                  <a:ext uri="{FF2B5EF4-FFF2-40B4-BE49-F238E27FC236}">
+                    <a16:creationId xmlns:a16="http://schemas.microsoft.com/office/drawing/2014/main" id="{91D5B956-462E-4359-B755-40CD04E7609B}"/>
+                  </a:ext>
+                </a:extLst>
+              </p:cNvPr>
+              <p:cNvSpPr txBox="1"/>
+              <p:nvPr/>
+            </p:nvSpPr>
+            <p:spPr>
+              <a:xfrm>
+                <a:off x="2671702" y="6062283"/>
+                <a:ext cx="6161143" cy="307777"/>
+              </a:xfrm>
+              <a:prstGeom prst="rect">
+                <a:avLst/>
+              </a:prstGeom>
+              <a:noFill/>
+            </p:spPr>
+            <p:txBody>
+              <a:bodyPr wrap="square" lIns="0" tIns="0" rIns="0" bIns="0" rtlCol="0">
+                <a:spAutoFit/>
+              </a:bodyPr>
+              <a:lstStyle/>
+              <a:p>
+                <a:pPr/>
+                <a14:m>
+                  <m:oMathPara xmlns:m="http://schemas.openxmlformats.org/officeDocument/2006/math">
+                    <m:oMathParaPr>
+                      <m:jc m:val="left"/>
+                    </m:oMathParaPr>
+                    <m:oMath xmlns:m="http://schemas.openxmlformats.org/officeDocument/2006/math">
+                      <m:sSub>
+                        <m:sSubPr>
+                          <m:ctrlPr>
+                            <a:rPr lang="en-US" sz="2000" b="0" i="1" smtClean="0">
+                              <a:solidFill>
+                                <a:schemeClr val="bg1"/>
+                              </a:solidFill>
+                              <a:latin typeface="Cambria Math" panose="02040503050406030204" pitchFamily="18" charset="0"/>
+                            </a:rPr>
+                          </m:ctrlPr>
+                        </m:sSubPr>
+                        <m:e>
+                          <m:r>
+                            <a:rPr lang="en-US" sz="2000" b="0" i="1" smtClean="0">
+                              <a:solidFill>
+                                <a:schemeClr val="bg1"/>
+                              </a:solidFill>
+                              <a:latin typeface="Cambria Math" panose="02040503050406030204" pitchFamily="18" charset="0"/>
+                            </a:rPr>
+                            <m:t>𝑋</m:t>
+                          </m:r>
+                        </m:e>
+                        <m:sub>
+                          <m:r>
+                            <a:rPr lang="en-US" sz="2000" b="0" i="1" smtClean="0">
+                              <a:solidFill>
+                                <a:schemeClr val="bg1"/>
+                              </a:solidFill>
+                              <a:latin typeface="Cambria Math" panose="02040503050406030204" pitchFamily="18" charset="0"/>
+                            </a:rPr>
+                            <m:t>3</m:t>
+                          </m:r>
+                        </m:sub>
+                      </m:sSub>
+                      <m:r>
+                        <a:rPr lang="en-US" sz="2000" b="0" i="1" smtClean="0">
+                          <a:solidFill>
+                            <a:schemeClr val="bg1"/>
+                          </a:solidFill>
+                          <a:latin typeface="Cambria Math" panose="02040503050406030204" pitchFamily="18" charset="0"/>
+                        </a:rPr>
+                        <m:t>=</m:t>
+                      </m:r>
+                      <m:r>
+                        <a:rPr lang="en-US" sz="2000" b="0" i="1" smtClean="0">
+                          <a:solidFill>
+                            <a:schemeClr val="bg1"/>
+                          </a:solidFill>
+                          <a:latin typeface="Cambria Math" panose="02040503050406030204" pitchFamily="18" charset="0"/>
+                        </a:rPr>
+                        <m:t>𝑂𝑅𝐸𝐵</m:t>
+                      </m:r>
+                      <m:r>
+                        <a:rPr lang="en-US" sz="2000" b="0" i="1" smtClean="0">
+                          <a:solidFill>
+                            <a:schemeClr val="bg1"/>
+                          </a:solidFill>
+                          <a:latin typeface="Cambria Math" panose="02040503050406030204" pitchFamily="18" charset="0"/>
+                        </a:rPr>
+                        <m:t>% </m:t>
+                      </m:r>
+                    </m:oMath>
+                  </m:oMathPara>
+                </a14:m>
+                <a:endParaRPr lang="en-US" sz="2000" dirty="0">
+                  <a:solidFill>
+                    <a:schemeClr val="bg1"/>
+                  </a:solidFill>
+                </a:endParaRPr>
+              </a:p>
+            </p:txBody>
+          </p:sp>
+        </mc:Choice>
+        <mc:Fallback>
+          <p:sp>
+            <p:nvSpPr>
+              <p:cNvPr id="25" name="TextBox 24">
+                <a:extLst>
+                  <a:ext uri="{FF2B5EF4-FFF2-40B4-BE49-F238E27FC236}">
+                    <a16:creationId xmlns:a16="http://schemas.microsoft.com/office/drawing/2014/main" id="{91D5B956-462E-4359-B755-40CD04E7609B}"/>
+                  </a:ext>
+                </a:extLst>
+              </p:cNvPr>
+              <p:cNvSpPr txBox="1">
+                <a:spLocks noRot="1" noChangeAspect="1" noMove="1" noResize="1" noEditPoints="1" noAdjustHandles="1" noChangeArrowheads="1" noChangeShapeType="1" noTextEdit="1"/>
+              </p:cNvSpPr>
+              <p:nvPr/>
+            </p:nvSpPr>
+            <p:spPr>
+              <a:xfrm>
+                <a:off x="2671702" y="6062283"/>
+                <a:ext cx="6161143" cy="307777"/>
+              </a:xfrm>
+              <a:prstGeom prst="rect">
+                <a:avLst/>
+              </a:prstGeom>
+              <a:blipFill>
+                <a:blip r:embed="rId8"/>
+                <a:stretch>
+                  <a:fillRect l="-1385" b="-19608"/>
+                </a:stretch>
+              </a:blipFill>
+            </p:spPr>
+            <p:txBody>
+              <a:bodyPr/>
+              <a:lstStyle/>
+              <a:p>
+                <a:r>
+                  <a:rPr lang="en-US">
+                    <a:noFill/>
+                  </a:rPr>
+                  <a:t> </a:t>
+                </a:r>
+              </a:p>
+            </p:txBody>
+          </p:sp>
+        </mc:Fallback>
+      </mc:AlternateContent>
+      <mc:AlternateContent xmlns:mc="http://schemas.openxmlformats.org/markup-compatibility/2006">
+        <mc:Choice xmlns:a14="http://schemas.microsoft.com/office/drawing/2010/main" Requires="a14">
+          <p:sp>
+            <p:nvSpPr>
+              <p:cNvPr id="26" name="TextBox 25">
+                <a:extLst>
+                  <a:ext uri="{FF2B5EF4-FFF2-40B4-BE49-F238E27FC236}">
+                    <a16:creationId xmlns:a16="http://schemas.microsoft.com/office/drawing/2014/main" id="{7C6EA8AC-51A9-4BAA-9B85-F244E2EDD032}"/>
+                  </a:ext>
+                </a:extLst>
+              </p:cNvPr>
+              <p:cNvSpPr txBox="1"/>
+              <p:nvPr/>
+            </p:nvSpPr>
+            <p:spPr>
+              <a:xfrm>
+                <a:off x="4806511" y="6418955"/>
+                <a:ext cx="6161143" cy="307777"/>
+              </a:xfrm>
+              <a:prstGeom prst="rect">
+                <a:avLst/>
+              </a:prstGeom>
+              <a:noFill/>
+            </p:spPr>
+            <p:txBody>
+              <a:bodyPr wrap="square" lIns="0" tIns="0" rIns="0" bIns="0" rtlCol="0">
+                <a:spAutoFit/>
+              </a:bodyPr>
+              <a:lstStyle/>
+              <a:p>
+                <a:pPr/>
+                <a14:m>
+                  <m:oMathPara xmlns:m="http://schemas.openxmlformats.org/officeDocument/2006/math">
+                    <m:oMathParaPr>
+                      <m:jc m:val="left"/>
+                    </m:oMathParaPr>
+                    <m:oMath xmlns:m="http://schemas.openxmlformats.org/officeDocument/2006/math">
+                      <m:sSub>
+                        <m:sSubPr>
+                          <m:ctrlPr>
+                            <a:rPr lang="en-US" sz="2000" b="0" i="1" smtClean="0">
+                              <a:solidFill>
+                                <a:schemeClr val="bg1"/>
+                              </a:solidFill>
+                              <a:latin typeface="Cambria Math" panose="02040503050406030204" pitchFamily="18" charset="0"/>
+                            </a:rPr>
+                          </m:ctrlPr>
+                        </m:sSubPr>
+                        <m:e>
+                          <m:r>
+                            <a:rPr lang="en-US" sz="2000" b="0" i="1" smtClean="0">
+                              <a:solidFill>
+                                <a:schemeClr val="bg1"/>
+                              </a:solidFill>
+                              <a:latin typeface="Cambria Math" panose="02040503050406030204" pitchFamily="18" charset="0"/>
+                            </a:rPr>
+                            <m:t>𝑋</m:t>
+                          </m:r>
+                        </m:e>
+                        <m:sub>
+                          <m:r>
+                            <a:rPr lang="en-US" sz="2000" b="0" i="1" smtClean="0">
+                              <a:solidFill>
+                                <a:schemeClr val="bg1"/>
+                              </a:solidFill>
+                              <a:latin typeface="Cambria Math" panose="02040503050406030204" pitchFamily="18" charset="0"/>
+                            </a:rPr>
+                            <m:t>8</m:t>
+                          </m:r>
+                        </m:sub>
+                      </m:sSub>
+                      <m:r>
+                        <a:rPr lang="en-US" sz="2000" b="0" i="1" smtClean="0">
+                          <a:solidFill>
+                            <a:schemeClr val="bg1"/>
+                          </a:solidFill>
+                          <a:latin typeface="Cambria Math" panose="02040503050406030204" pitchFamily="18" charset="0"/>
+                        </a:rPr>
+                        <m:t>=</m:t>
+                      </m:r>
+                      <m:r>
+                        <a:rPr lang="en-US" sz="2000" b="0" i="1" smtClean="0">
+                          <a:solidFill>
+                            <a:schemeClr val="bg1"/>
+                          </a:solidFill>
+                          <a:latin typeface="Cambria Math" panose="02040503050406030204" pitchFamily="18" charset="0"/>
+                        </a:rPr>
+                        <m:t>𝑂𝑝𝑝𝑜𝑛𝑒𝑛</m:t>
+                      </m:r>
+                      <m:sSup>
+                        <m:sSupPr>
+                          <m:ctrlPr>
+                            <a:rPr lang="en-US" sz="2000" b="0" i="1" smtClean="0">
+                              <a:solidFill>
+                                <a:schemeClr val="bg1"/>
+                              </a:solidFill>
+                              <a:latin typeface="Cambria Math" panose="02040503050406030204" pitchFamily="18" charset="0"/>
+                            </a:rPr>
+                          </m:ctrlPr>
+                        </m:sSupPr>
+                        <m:e>
+                          <m:r>
+                            <a:rPr lang="en-US" sz="2000" b="0" i="1" smtClean="0">
+                              <a:solidFill>
+                                <a:schemeClr val="bg1"/>
+                              </a:solidFill>
+                              <a:latin typeface="Cambria Math" panose="02040503050406030204" pitchFamily="18" charset="0"/>
+                            </a:rPr>
+                            <m:t>𝑡</m:t>
+                          </m:r>
+                        </m:e>
+                        <m:sup>
+                          <m:r>
+                            <a:rPr lang="en-US" sz="2000" b="0" i="1" smtClean="0">
+                              <a:solidFill>
+                                <a:schemeClr val="bg1"/>
+                              </a:solidFill>
+                              <a:latin typeface="Cambria Math" panose="02040503050406030204" pitchFamily="18" charset="0"/>
+                            </a:rPr>
+                            <m:t>′</m:t>
+                          </m:r>
+                        </m:sup>
+                      </m:sSup>
+                      <m:r>
+                        <a:rPr lang="en-US" sz="2000" b="0" i="1" smtClean="0">
+                          <a:solidFill>
+                            <a:schemeClr val="bg1"/>
+                          </a:solidFill>
+                          <a:latin typeface="Cambria Math" panose="02040503050406030204" pitchFamily="18" charset="0"/>
+                        </a:rPr>
+                        <m:t>𝑠</m:t>
+                      </m:r>
+                      <m:r>
+                        <a:rPr lang="en-US" sz="2000" b="0" i="1" smtClean="0">
+                          <a:solidFill>
+                            <a:schemeClr val="bg1"/>
+                          </a:solidFill>
+                          <a:latin typeface="Cambria Math" panose="02040503050406030204" pitchFamily="18" charset="0"/>
+                        </a:rPr>
+                        <m:t> </m:t>
+                      </m:r>
+                      <m:r>
+                        <a:rPr lang="en-US" sz="2000" b="0" i="1" smtClean="0">
+                          <a:solidFill>
+                            <a:schemeClr val="bg1"/>
+                          </a:solidFill>
+                          <a:latin typeface="Cambria Math" panose="02040503050406030204" pitchFamily="18" charset="0"/>
+                        </a:rPr>
+                        <m:t>𝐹𝑇𝑅</m:t>
+                      </m:r>
+                    </m:oMath>
+                  </m:oMathPara>
+                </a14:m>
+                <a:endParaRPr lang="en-US" sz="2000" dirty="0">
+                  <a:solidFill>
+                    <a:schemeClr val="bg1"/>
+                  </a:solidFill>
+                </a:endParaRPr>
+              </a:p>
+            </p:txBody>
+          </p:sp>
+        </mc:Choice>
+        <mc:Fallback>
+          <p:sp>
+            <p:nvSpPr>
+              <p:cNvPr id="26" name="TextBox 25">
+                <a:extLst>
+                  <a:ext uri="{FF2B5EF4-FFF2-40B4-BE49-F238E27FC236}">
+                    <a16:creationId xmlns:a16="http://schemas.microsoft.com/office/drawing/2014/main" id="{7C6EA8AC-51A9-4BAA-9B85-F244E2EDD032}"/>
+                  </a:ext>
+                </a:extLst>
+              </p:cNvPr>
+              <p:cNvSpPr txBox="1">
+                <a:spLocks noRot="1" noChangeAspect="1" noMove="1" noResize="1" noEditPoints="1" noAdjustHandles="1" noChangeArrowheads="1" noChangeShapeType="1" noTextEdit="1"/>
+              </p:cNvSpPr>
+              <p:nvPr/>
+            </p:nvSpPr>
+            <p:spPr>
+              <a:xfrm>
+                <a:off x="4806511" y="6418955"/>
+                <a:ext cx="6161143" cy="307777"/>
+              </a:xfrm>
+              <a:prstGeom prst="rect">
+                <a:avLst/>
+              </a:prstGeom>
+              <a:blipFill>
+                <a:blip r:embed="rId9"/>
+                <a:stretch>
+                  <a:fillRect l="-1385" b="-38000"/>
+                </a:stretch>
+              </a:blipFill>
+            </p:spPr>
+            <p:txBody>
+              <a:bodyPr/>
+              <a:lstStyle/>
+              <a:p>
+                <a:r>
+                  <a:rPr lang="en-US">
+                    <a:noFill/>
+                  </a:rPr>
+                  <a:t> </a:t>
+                </a:r>
+              </a:p>
+            </p:txBody>
+          </p:sp>
+        </mc:Fallback>
+      </mc:AlternateContent>
+      <mc:AlternateContent xmlns:mc="http://schemas.openxmlformats.org/markup-compatibility/2006">
+        <mc:Choice xmlns:a14="http://schemas.microsoft.com/office/drawing/2010/main" Requires="a14">
+          <p:sp>
+            <p:nvSpPr>
+              <p:cNvPr id="28" name="TextBox 27">
+                <a:extLst>
+                  <a:ext uri="{FF2B5EF4-FFF2-40B4-BE49-F238E27FC236}">
+                    <a16:creationId xmlns:a16="http://schemas.microsoft.com/office/drawing/2014/main" id="{4D08841C-DB2C-4013-B7ED-E4B52B9BF4C9}"/>
+                  </a:ext>
+                </a:extLst>
+              </p:cNvPr>
+              <p:cNvSpPr txBox="1"/>
+              <p:nvPr/>
+            </p:nvSpPr>
+            <p:spPr>
+              <a:xfrm>
+                <a:off x="2671703" y="5647215"/>
+                <a:ext cx="6161143" cy="307777"/>
+              </a:xfrm>
+              <a:prstGeom prst="rect">
+                <a:avLst/>
+              </a:prstGeom>
+              <a:noFill/>
+            </p:spPr>
+            <p:txBody>
+              <a:bodyPr wrap="square" lIns="0" tIns="0" rIns="0" bIns="0" rtlCol="0">
+                <a:spAutoFit/>
+              </a:bodyPr>
+              <a:lstStyle/>
+              <a:p>
+                <a:pPr/>
+                <a14:m>
+                  <m:oMathPara xmlns:m="http://schemas.openxmlformats.org/officeDocument/2006/math">
+                    <m:oMathParaPr>
+                      <m:jc m:val="left"/>
+                    </m:oMathParaPr>
+                    <m:oMath xmlns:m="http://schemas.openxmlformats.org/officeDocument/2006/math">
+                      <m:sSub>
+                        <m:sSubPr>
+                          <m:ctrlPr>
+                            <a:rPr lang="en-US" sz="2000" b="0" i="1" smtClean="0">
+                              <a:solidFill>
+                                <a:schemeClr val="bg1"/>
+                              </a:solidFill>
+                              <a:latin typeface="Cambria Math" panose="02040503050406030204" pitchFamily="18" charset="0"/>
+                            </a:rPr>
+                          </m:ctrlPr>
+                        </m:sSubPr>
+                        <m:e>
+                          <m:r>
+                            <a:rPr lang="en-US" sz="2000" b="0" i="1" smtClean="0">
+                              <a:solidFill>
+                                <a:schemeClr val="bg1"/>
+                              </a:solidFill>
+                              <a:latin typeface="Cambria Math" panose="02040503050406030204" pitchFamily="18" charset="0"/>
+                            </a:rPr>
+                            <m:t>𝑋</m:t>
+                          </m:r>
+                        </m:e>
+                        <m:sub>
+                          <m:r>
+                            <a:rPr lang="en-US" sz="2000" b="0" i="1" smtClean="0">
+                              <a:solidFill>
+                                <a:schemeClr val="bg1"/>
+                              </a:solidFill>
+                              <a:latin typeface="Cambria Math" panose="02040503050406030204" pitchFamily="18" charset="0"/>
+                            </a:rPr>
+                            <m:t>2</m:t>
+                          </m:r>
+                        </m:sub>
+                      </m:sSub>
+                      <m:r>
+                        <a:rPr lang="en-US" sz="2000" b="0" i="1" smtClean="0">
+                          <a:solidFill>
+                            <a:schemeClr val="bg1"/>
+                          </a:solidFill>
+                          <a:latin typeface="Cambria Math" panose="02040503050406030204" pitchFamily="18" charset="0"/>
+                        </a:rPr>
+                        <m:t>=</m:t>
+                      </m:r>
+                      <m:r>
+                        <a:rPr lang="en-US" sz="2000" b="0" i="1" smtClean="0">
+                          <a:solidFill>
+                            <a:schemeClr val="bg1"/>
+                          </a:solidFill>
+                          <a:latin typeface="Cambria Math" panose="02040503050406030204" pitchFamily="18" charset="0"/>
+                        </a:rPr>
+                        <m:t>𝑇𝑂</m:t>
+                      </m:r>
+                      <m:r>
+                        <a:rPr lang="en-US" sz="2000" b="0" i="1" smtClean="0">
+                          <a:solidFill>
+                            <a:schemeClr val="bg1"/>
+                          </a:solidFill>
+                          <a:latin typeface="Cambria Math" panose="02040503050406030204" pitchFamily="18" charset="0"/>
+                        </a:rPr>
+                        <m:t>% </m:t>
+                      </m:r>
+                    </m:oMath>
+                  </m:oMathPara>
+                </a14:m>
+                <a:endParaRPr lang="en-US" sz="2000" dirty="0">
+                  <a:solidFill>
+                    <a:schemeClr val="bg1"/>
+                  </a:solidFill>
+                </a:endParaRPr>
+              </a:p>
+            </p:txBody>
+          </p:sp>
+        </mc:Choice>
+        <mc:Fallback>
+          <p:sp>
+            <p:nvSpPr>
+              <p:cNvPr id="28" name="TextBox 27">
+                <a:extLst>
+                  <a:ext uri="{FF2B5EF4-FFF2-40B4-BE49-F238E27FC236}">
+                    <a16:creationId xmlns:a16="http://schemas.microsoft.com/office/drawing/2014/main" id="{4D08841C-DB2C-4013-B7ED-E4B52B9BF4C9}"/>
+                  </a:ext>
+                </a:extLst>
+              </p:cNvPr>
+              <p:cNvSpPr txBox="1">
+                <a:spLocks noRot="1" noChangeAspect="1" noMove="1" noResize="1" noEditPoints="1" noAdjustHandles="1" noChangeArrowheads="1" noChangeShapeType="1" noTextEdit="1"/>
+              </p:cNvSpPr>
+              <p:nvPr/>
+            </p:nvSpPr>
+            <p:spPr>
+              <a:xfrm>
+                <a:off x="2671703" y="5647215"/>
+                <a:ext cx="6161143" cy="307777"/>
+              </a:xfrm>
+              <a:prstGeom prst="rect">
+                <a:avLst/>
+              </a:prstGeom>
+              <a:blipFill>
+                <a:blip r:embed="rId10"/>
+                <a:stretch>
+                  <a:fillRect l="-1385" b="-19608"/>
+                </a:stretch>
+              </a:blipFill>
+            </p:spPr>
+            <p:txBody>
+              <a:bodyPr/>
+              <a:lstStyle/>
+              <a:p>
+                <a:r>
+                  <a:rPr lang="en-US">
+                    <a:noFill/>
+                  </a:rPr>
+                  <a:t> </a:t>
+                </a:r>
+              </a:p>
+            </p:txBody>
+          </p:sp>
+        </mc:Fallback>
+      </mc:AlternateContent>
+      <mc:AlternateContent xmlns:mc="http://schemas.openxmlformats.org/markup-compatibility/2006">
+        <mc:Choice xmlns:a14="http://schemas.microsoft.com/office/drawing/2010/main" Requires="a14">
+          <p:sp>
+            <p:nvSpPr>
+              <p:cNvPr id="29" name="TextBox 28">
+                <a:extLst>
+                  <a:ext uri="{FF2B5EF4-FFF2-40B4-BE49-F238E27FC236}">
+                    <a16:creationId xmlns:a16="http://schemas.microsoft.com/office/drawing/2014/main" id="{2C83DC61-F4F2-427C-BCD3-F1EC4698D187}"/>
+                  </a:ext>
+                </a:extLst>
+              </p:cNvPr>
+              <p:cNvSpPr txBox="1"/>
+              <p:nvPr/>
+            </p:nvSpPr>
+            <p:spPr>
+              <a:xfrm>
+                <a:off x="4806512" y="5238338"/>
+                <a:ext cx="6161143" cy="307777"/>
+              </a:xfrm>
+              <a:prstGeom prst="rect">
+                <a:avLst/>
+              </a:prstGeom>
+              <a:noFill/>
+            </p:spPr>
+            <p:txBody>
+              <a:bodyPr wrap="square" lIns="0" tIns="0" rIns="0" bIns="0" rtlCol="0">
+                <a:spAutoFit/>
+              </a:bodyPr>
+              <a:lstStyle/>
+              <a:p>
+                <a:pPr/>
+                <a14:m>
+                  <m:oMathPara xmlns:m="http://schemas.openxmlformats.org/officeDocument/2006/math">
+                    <m:oMathParaPr>
+                      <m:jc m:val="left"/>
+                    </m:oMathParaPr>
+                    <m:oMath xmlns:m="http://schemas.openxmlformats.org/officeDocument/2006/math">
+                      <m:sSub>
+                        <m:sSubPr>
+                          <m:ctrlPr>
+                            <a:rPr lang="en-US" sz="2000" b="0" i="1" smtClean="0">
+                              <a:solidFill>
+                                <a:schemeClr val="bg1"/>
+                              </a:solidFill>
+                              <a:latin typeface="Cambria Math" panose="02040503050406030204" pitchFamily="18" charset="0"/>
+                            </a:rPr>
+                          </m:ctrlPr>
+                        </m:sSubPr>
+                        <m:e>
+                          <m:r>
+                            <a:rPr lang="en-US" sz="2000" b="0" i="1" smtClean="0">
+                              <a:solidFill>
+                                <a:schemeClr val="bg1"/>
+                              </a:solidFill>
+                              <a:latin typeface="Cambria Math" panose="02040503050406030204" pitchFamily="18" charset="0"/>
+                            </a:rPr>
+                            <m:t>𝑋</m:t>
+                          </m:r>
+                        </m:e>
+                        <m:sub>
+                          <m:r>
+                            <a:rPr lang="en-US" sz="2000" b="0" i="1" smtClean="0">
+                              <a:solidFill>
+                                <a:schemeClr val="bg1"/>
+                              </a:solidFill>
+                              <a:latin typeface="Cambria Math" panose="02040503050406030204" pitchFamily="18" charset="0"/>
+                            </a:rPr>
+                            <m:t>5</m:t>
+                          </m:r>
+                        </m:sub>
+                      </m:sSub>
+                      <m:r>
+                        <a:rPr lang="en-US" sz="2000" b="0" i="1" smtClean="0">
+                          <a:solidFill>
+                            <a:schemeClr val="bg1"/>
+                          </a:solidFill>
+                          <a:latin typeface="Cambria Math" panose="02040503050406030204" pitchFamily="18" charset="0"/>
+                        </a:rPr>
+                        <m:t>=</m:t>
                       </m:r>
                       <m:r>
                         <a:rPr lang="en-US" sz="2000" b="0" i="1" smtClean="0">
@@ -20997,13 +20872,13 @@
             </p:txBody>
           </p:sp>
         </mc:Choice>
-        <mc:Fallback xmlns="">
+        <mc:Fallback>
           <p:sp>
             <p:nvSpPr>
-              <p:cNvPr id="22" name="TextBox 21">
+              <p:cNvPr id="29" name="TextBox 28">
                 <a:extLst>
                   <a:ext uri="{FF2B5EF4-FFF2-40B4-BE49-F238E27FC236}">
-                    <a16:creationId xmlns:a16="http://schemas.microsoft.com/office/drawing/2014/main" id="{3B65BE4C-71FE-4538-9F6A-8196E87CB2CE}"/>
+                    <a16:creationId xmlns:a16="http://schemas.microsoft.com/office/drawing/2014/main" id="{2C83DC61-F4F2-427C-BCD3-F1EC4698D187}"/>
                   </a:ext>
                 </a:extLst>
               </p:cNvPr>
@@ -21014,16 +20889,16 @@
             </p:nvSpPr>
             <p:spPr>
               <a:xfrm>
-                <a:off x="1443448" y="5260726"/>
+                <a:off x="4806512" y="5238338"/>
                 <a:ext cx="6161143" cy="307777"/>
               </a:xfrm>
               <a:prstGeom prst="rect">
                 <a:avLst/>
               </a:prstGeom>
               <a:blipFill>
-                <a:blip r:embed="rId7"/>
+                <a:blip r:embed="rId11"/>
                 <a:stretch>
-                  <a:fillRect b="-38000"/>
+                  <a:fillRect l="-1385" b="-35294"/>
                 </a:stretch>
               </a:blipFill>
             </p:spPr>
@@ -21042,14 +20917,14 @@
           </p:sp>
         </mc:Fallback>
       </mc:AlternateContent>
-      <mc:AlternateContent xmlns:mc="http://schemas.openxmlformats.org/markup-compatibility/2006" xmlns:a14="http://schemas.microsoft.com/office/drawing/2010/main">
-        <mc:Choice Requires="a14">
+      <mc:AlternateContent xmlns:mc="http://schemas.openxmlformats.org/markup-compatibility/2006">
+        <mc:Choice xmlns:a14="http://schemas.microsoft.com/office/drawing/2010/main" Requires="a14">
           <p:sp>
             <p:nvSpPr>
-              <p:cNvPr id="25" name="TextBox 24">
+              <p:cNvPr id="30" name="TextBox 29">
                 <a:extLst>
                   <a:ext uri="{FF2B5EF4-FFF2-40B4-BE49-F238E27FC236}">
-                    <a16:creationId xmlns:a16="http://schemas.microsoft.com/office/drawing/2014/main" id="{91D5B956-462E-4359-B755-40CD04E7609B}"/>
+                    <a16:creationId xmlns:a16="http://schemas.microsoft.com/office/drawing/2014/main" id="{A0F8F899-A9D4-4B0F-8075-26C424E82FA2}"/>
                   </a:ext>
                 </a:extLst>
               </p:cNvPr>
@@ -21058,7 +20933,7 @@
             </p:nvSpPr>
             <p:spPr>
               <a:xfrm>
-                <a:off x="943382" y="5626979"/>
+                <a:off x="4806511" y="6045371"/>
                 <a:ext cx="6161143" cy="307777"/>
               </a:xfrm>
               <a:prstGeom prst="rect">
@@ -21076,7 +20951,7 @@
                 <a14:m>
                   <m:oMathPara xmlns:m="http://schemas.openxmlformats.org/officeDocument/2006/math">
                     <m:oMathParaPr>
-                      <m:jc m:val="centerGroup"/>
+                      <m:jc m:val="left"/>
                     </m:oMathParaPr>
                     <m:oMath xmlns:m="http://schemas.openxmlformats.org/officeDocument/2006/math">
                       <m:sSub>
@@ -21109,7 +20984,7 @@
                               </a:solidFill>
                               <a:latin typeface="Cambria Math" panose="02040503050406030204" pitchFamily="18" charset="0"/>
                             </a:rPr>
-                            <m:t>2</m:t>
+                            <m:t>7</m:t>
                           </m:r>
                         </m:sub>
                       </m:sSub>
@@ -21121,24 +20996,6 @@
                           <a:latin typeface="Cambria Math" panose="02040503050406030204" pitchFamily="18" charset="0"/>
                         </a:rPr>
                         <m:t>=</m:t>
-                      </m:r>
-                      <m:r>
-                        <a:rPr lang="en-US" sz="2000" b="0" i="1" smtClean="0">
-                          <a:solidFill>
-                            <a:schemeClr val="bg1"/>
-                          </a:solidFill>
-                          <a:latin typeface="Cambria Math" panose="02040503050406030204" pitchFamily="18" charset="0"/>
-                        </a:rPr>
-                        <m:t>𝑂𝑅𝐸𝐵</m:t>
-                      </m:r>
-                      <m:r>
-                        <a:rPr lang="en-US" sz="2000" b="0" i="1" smtClean="0">
-                          <a:solidFill>
-                            <a:schemeClr val="bg1"/>
-                          </a:solidFill>
-                          <a:latin typeface="Cambria Math" panose="02040503050406030204" pitchFamily="18" charset="0"/>
-                        </a:rPr>
-                        <m:t>% −</m:t>
                       </m:r>
                       <m:r>
                         <a:rPr lang="en-US" sz="2000" b="0" i="1" smtClean="0">
@@ -21170,13 +21027,13 @@
             </p:txBody>
           </p:sp>
         </mc:Choice>
-        <mc:Fallback xmlns="">
+        <mc:Fallback>
           <p:sp>
             <p:nvSpPr>
-              <p:cNvPr id="25" name="TextBox 24">
+              <p:cNvPr id="30" name="TextBox 29">
                 <a:extLst>
                   <a:ext uri="{FF2B5EF4-FFF2-40B4-BE49-F238E27FC236}">
-                    <a16:creationId xmlns:a16="http://schemas.microsoft.com/office/drawing/2014/main" id="{91D5B956-462E-4359-B755-40CD04E7609B}"/>
+                    <a16:creationId xmlns:a16="http://schemas.microsoft.com/office/drawing/2014/main" id="{A0F8F899-A9D4-4B0F-8075-26C424E82FA2}"/>
                   </a:ext>
                 </a:extLst>
               </p:cNvPr>
@@ -21187,16 +21044,16 @@
             </p:nvSpPr>
             <p:spPr>
               <a:xfrm>
-                <a:off x="943382" y="5626979"/>
+                <a:off x="4806511" y="6045371"/>
                 <a:ext cx="6161143" cy="307777"/>
               </a:xfrm>
               <a:prstGeom prst="rect">
                 <a:avLst/>
               </a:prstGeom>
               <a:blipFill>
-                <a:blip r:embed="rId8"/>
+                <a:blip r:embed="rId12"/>
                 <a:stretch>
-                  <a:fillRect b="-19608"/>
+                  <a:fillRect l="-1385" b="-20000"/>
                 </a:stretch>
               </a:blipFill>
             </p:spPr>
@@ -21215,14 +21072,14 @@
           </p:sp>
         </mc:Fallback>
       </mc:AlternateContent>
-      <mc:AlternateContent xmlns:mc="http://schemas.openxmlformats.org/markup-compatibility/2006" xmlns:a14="http://schemas.microsoft.com/office/drawing/2010/main">
-        <mc:Choice Requires="a14">
+      <mc:AlternateContent xmlns:mc="http://schemas.openxmlformats.org/markup-compatibility/2006">
+        <mc:Choice xmlns:a14="http://schemas.microsoft.com/office/drawing/2010/main" Requires="a14">
           <p:sp>
             <p:nvSpPr>
-              <p:cNvPr id="26" name="TextBox 25">
+              <p:cNvPr id="31" name="TextBox 30">
                 <a:extLst>
                   <a:ext uri="{FF2B5EF4-FFF2-40B4-BE49-F238E27FC236}">
-                    <a16:creationId xmlns:a16="http://schemas.microsoft.com/office/drawing/2014/main" id="{7C6EA8AC-51A9-4BAA-9B85-F244E2EDD032}"/>
+                    <a16:creationId xmlns:a16="http://schemas.microsoft.com/office/drawing/2014/main" id="{4E1C6D8A-ECA5-4729-8B01-2E5A804616DD}"/>
                   </a:ext>
                 </a:extLst>
               </p:cNvPr>
@@ -21231,7 +21088,7 @@
             </p:nvSpPr>
             <p:spPr>
               <a:xfrm>
-                <a:off x="1165265" y="6004899"/>
+                <a:off x="2672024" y="6437091"/>
                 <a:ext cx="6161143" cy="307777"/>
               </a:xfrm>
               <a:prstGeom prst="rect">
@@ -21249,232 +21106,7 @@
                 <a14:m>
                   <m:oMathPara xmlns:m="http://schemas.openxmlformats.org/officeDocument/2006/math">
                     <m:oMathParaPr>
-                      <m:jc m:val="centerGroup"/>
-                    </m:oMathParaPr>
-                    <m:oMath xmlns:m="http://schemas.openxmlformats.org/officeDocument/2006/math">
-                      <m:sSub>
-                        <m:sSubPr>
-                          <m:ctrlPr>
-                            <a:rPr lang="en-US" sz="2000" b="0" i="1" smtClean="0">
-                              <a:solidFill>
-                                <a:schemeClr val="bg1"/>
-                              </a:solidFill>
-                              <a:latin typeface="Cambria Math" panose="02040503050406030204" pitchFamily="18" charset="0"/>
-                            </a:rPr>
-                          </m:ctrlPr>
-                        </m:sSubPr>
-                        <m:e>
-                          <m:r>
-                            <a:rPr lang="en-US" sz="2000" b="0" i="1" smtClean="0">
-                              <a:solidFill>
-                                <a:schemeClr val="bg1"/>
-                              </a:solidFill>
-                              <a:latin typeface="Cambria Math" panose="02040503050406030204" pitchFamily="18" charset="0"/>
-                            </a:rPr>
-                            <m:t>𝑋</m:t>
-                          </m:r>
-                        </m:e>
-                        <m:sub>
-                          <m:r>
-                            <a:rPr lang="en-US" sz="2000" b="0" i="1" smtClean="0">
-                              <a:solidFill>
-                                <a:schemeClr val="bg1"/>
-                              </a:solidFill>
-                              <a:latin typeface="Cambria Math" panose="02040503050406030204" pitchFamily="18" charset="0"/>
-                            </a:rPr>
-                            <m:t>3</m:t>
-                          </m:r>
-                        </m:sub>
-                      </m:sSub>
-                      <m:r>
-                        <a:rPr lang="en-US" sz="2000" b="0" i="1" smtClean="0">
-                          <a:solidFill>
-                            <a:schemeClr val="bg1"/>
-                          </a:solidFill>
-                          <a:latin typeface="Cambria Math" panose="02040503050406030204" pitchFamily="18" charset="0"/>
-                        </a:rPr>
-                        <m:t>=</m:t>
-                      </m:r>
-                      <m:r>
-                        <a:rPr lang="en-US" sz="2000" b="0" i="1" smtClean="0">
-                          <a:solidFill>
-                            <a:schemeClr val="bg1"/>
-                          </a:solidFill>
-                          <a:latin typeface="Cambria Math" panose="02040503050406030204" pitchFamily="18" charset="0"/>
-                        </a:rPr>
-                        <m:t>𝐹𝑇𝑅</m:t>
-                      </m:r>
-                      <m:r>
-                        <a:rPr lang="en-US" sz="2000" b="0" i="1" smtClean="0">
-                          <a:solidFill>
-                            <a:schemeClr val="bg1"/>
-                          </a:solidFill>
-                          <a:latin typeface="Cambria Math" panose="02040503050406030204" pitchFamily="18" charset="0"/>
-                        </a:rPr>
-                        <m:t>−</m:t>
-                      </m:r>
-                      <m:r>
-                        <a:rPr lang="en-US" sz="2000" b="0" i="1" smtClean="0">
-                          <a:solidFill>
-                            <a:schemeClr val="bg1"/>
-                          </a:solidFill>
-                          <a:latin typeface="Cambria Math" panose="02040503050406030204" pitchFamily="18" charset="0"/>
-                        </a:rPr>
-                        <m:t>𝑂𝑝𝑝𝑜𝑛𝑒𝑛</m:t>
-                      </m:r>
-                      <m:sSup>
-                        <m:sSupPr>
-                          <m:ctrlPr>
-                            <a:rPr lang="en-US" sz="2000" b="0" i="1" smtClean="0">
-                              <a:solidFill>
-                                <a:schemeClr val="bg1"/>
-                              </a:solidFill>
-                              <a:latin typeface="Cambria Math" panose="02040503050406030204" pitchFamily="18" charset="0"/>
-                            </a:rPr>
-                          </m:ctrlPr>
-                        </m:sSupPr>
-                        <m:e>
-                          <m:r>
-                            <a:rPr lang="en-US" sz="2000" b="0" i="1" smtClean="0">
-                              <a:solidFill>
-                                <a:schemeClr val="bg1"/>
-                              </a:solidFill>
-                              <a:latin typeface="Cambria Math" panose="02040503050406030204" pitchFamily="18" charset="0"/>
-                            </a:rPr>
-                            <m:t>𝑡</m:t>
-                          </m:r>
-                        </m:e>
-                        <m:sup>
-                          <m:r>
-                            <a:rPr lang="en-US" sz="2000" b="0" i="1" smtClean="0">
-                              <a:solidFill>
-                                <a:schemeClr val="bg1"/>
-                              </a:solidFill>
-                              <a:latin typeface="Cambria Math" panose="02040503050406030204" pitchFamily="18" charset="0"/>
-                            </a:rPr>
-                            <m:t>′</m:t>
-                          </m:r>
-                        </m:sup>
-                      </m:sSup>
-                      <m:r>
-                        <a:rPr lang="en-US" sz="2000" b="0" i="1" smtClean="0">
-                          <a:solidFill>
-                            <a:schemeClr val="bg1"/>
-                          </a:solidFill>
-                          <a:latin typeface="Cambria Math" panose="02040503050406030204" pitchFamily="18" charset="0"/>
-                        </a:rPr>
-                        <m:t>𝑠</m:t>
-                      </m:r>
-                      <m:r>
-                        <a:rPr lang="en-US" sz="2000" b="0" i="1" smtClean="0">
-                          <a:solidFill>
-                            <a:schemeClr val="bg1"/>
-                          </a:solidFill>
-                          <a:latin typeface="Cambria Math" panose="02040503050406030204" pitchFamily="18" charset="0"/>
-                        </a:rPr>
-                        <m:t> </m:t>
-                      </m:r>
-                      <m:r>
-                        <a:rPr lang="en-US" sz="2000" b="0" i="1" smtClean="0">
-                          <a:solidFill>
-                            <a:schemeClr val="bg1"/>
-                          </a:solidFill>
-                          <a:latin typeface="Cambria Math" panose="02040503050406030204" pitchFamily="18" charset="0"/>
-                        </a:rPr>
-                        <m:t>𝐹𝑇𝑅</m:t>
-                      </m:r>
-                    </m:oMath>
-                  </m:oMathPara>
-                </a14:m>
-                <a:endParaRPr lang="en-US" sz="2000" dirty="0">
-                  <a:solidFill>
-                    <a:schemeClr val="bg1"/>
-                  </a:solidFill>
-                </a:endParaRPr>
-              </a:p>
-            </p:txBody>
-          </p:sp>
-        </mc:Choice>
-        <mc:Fallback xmlns="">
-          <p:sp>
-            <p:nvSpPr>
-              <p:cNvPr id="26" name="TextBox 25">
-                <a:extLst>
-                  <a:ext uri="{FF2B5EF4-FFF2-40B4-BE49-F238E27FC236}">
-                    <a16:creationId xmlns:a16="http://schemas.microsoft.com/office/drawing/2014/main" id="{7C6EA8AC-51A9-4BAA-9B85-F244E2EDD032}"/>
-                  </a:ext>
-                </a:extLst>
-              </p:cNvPr>
-              <p:cNvSpPr txBox="1">
-                <a:spLocks noRot="1" noChangeAspect="1" noMove="1" noResize="1" noEditPoints="1" noAdjustHandles="1" noChangeArrowheads="1" noChangeShapeType="1" noTextEdit="1"/>
-              </p:cNvSpPr>
-              <p:nvPr/>
-            </p:nvSpPr>
-            <p:spPr>
-              <a:xfrm>
-                <a:off x="1165265" y="6004899"/>
-                <a:ext cx="6161143" cy="307777"/>
-              </a:xfrm>
-              <a:prstGeom prst="rect">
-                <a:avLst/>
-              </a:prstGeom>
-              <a:blipFill>
-                <a:blip r:embed="rId9"/>
-                <a:stretch>
-                  <a:fillRect b="-35294"/>
-                </a:stretch>
-              </a:blipFill>
-            </p:spPr>
-            <p:txBody>
-              <a:bodyPr/>
-              <a:lstStyle/>
-              <a:p>
-                <a:r>
-                  <a:rPr lang="en-US">
-                    <a:noFill/>
-                  </a:rPr>
-                  <a:t> </a:t>
-                </a:r>
-              </a:p>
-            </p:txBody>
-          </p:sp>
-        </mc:Fallback>
-      </mc:AlternateContent>
-      <mc:AlternateContent xmlns:mc="http://schemas.openxmlformats.org/markup-compatibility/2006" xmlns:a14="http://schemas.microsoft.com/office/drawing/2010/main">
-        <mc:Choice Requires="a14">
-          <p:sp>
-            <p:nvSpPr>
-              <p:cNvPr id="28" name="TextBox 27">
-                <a:extLst>
-                  <a:ext uri="{FF2B5EF4-FFF2-40B4-BE49-F238E27FC236}">
-                    <a16:creationId xmlns:a16="http://schemas.microsoft.com/office/drawing/2014/main" id="{4D08841C-DB2C-4013-B7ED-E4B52B9BF4C9}"/>
-                  </a:ext>
-                </a:extLst>
-              </p:cNvPr>
-              <p:cNvSpPr txBox="1"/>
-              <p:nvPr/>
-            </p:nvSpPr>
-            <p:spPr>
-              <a:xfrm>
-                <a:off x="659676" y="6347704"/>
-                <a:ext cx="6161143" cy="307777"/>
-              </a:xfrm>
-              <a:prstGeom prst="rect">
-                <a:avLst/>
-              </a:prstGeom>
-              <a:noFill/>
-            </p:spPr>
-            <p:txBody>
-              <a:bodyPr wrap="square" lIns="0" tIns="0" rIns="0" bIns="0" rtlCol="0">
-                <a:spAutoFit/>
-              </a:bodyPr>
-              <a:lstStyle/>
-              <a:p>
-                <a:pPr/>
-                <a14:m>
-                  <m:oMathPara xmlns:m="http://schemas.openxmlformats.org/officeDocument/2006/math">
-                    <m:oMathParaPr>
-                      <m:jc m:val="centerGroup"/>
+                      <m:jc m:val="left"/>
                     </m:oMathParaPr>
                     <m:oMath xmlns:m="http://schemas.openxmlformats.org/officeDocument/2006/math">
                       <m:sSub>
@@ -21527,8 +21159,136 @@
                           </a:solidFill>
                           <a:latin typeface="Cambria Math" panose="02040503050406030204" pitchFamily="18" charset="0"/>
                         </a:rPr>
-                        <m:t>𝑇𝑂</m:t>
+                        <m:t>𝐹𝑇𝑅</m:t>
                       </m:r>
+                    </m:oMath>
+                  </m:oMathPara>
+                </a14:m>
+                <a:endParaRPr lang="en-US" sz="2000" dirty="0">
+                  <a:solidFill>
+                    <a:schemeClr val="bg1"/>
+                  </a:solidFill>
+                </a:endParaRPr>
+              </a:p>
+            </p:txBody>
+          </p:sp>
+        </mc:Choice>
+        <mc:Fallback>
+          <p:sp>
+            <p:nvSpPr>
+              <p:cNvPr id="31" name="TextBox 30">
+                <a:extLst>
+                  <a:ext uri="{FF2B5EF4-FFF2-40B4-BE49-F238E27FC236}">
+                    <a16:creationId xmlns:a16="http://schemas.microsoft.com/office/drawing/2014/main" id="{4E1C6D8A-ECA5-4729-8B01-2E5A804616DD}"/>
+                  </a:ext>
+                </a:extLst>
+              </p:cNvPr>
+              <p:cNvSpPr txBox="1">
+                <a:spLocks noRot="1" noChangeAspect="1" noMove="1" noResize="1" noEditPoints="1" noAdjustHandles="1" noChangeArrowheads="1" noChangeShapeType="1" noTextEdit="1"/>
+              </p:cNvSpPr>
+              <p:nvPr/>
+            </p:nvSpPr>
+            <p:spPr>
+              <a:xfrm>
+                <a:off x="2672024" y="6437091"/>
+                <a:ext cx="6161143" cy="307777"/>
+              </a:xfrm>
+              <a:prstGeom prst="rect">
+                <a:avLst/>
+              </a:prstGeom>
+              <a:blipFill>
+                <a:blip r:embed="rId13"/>
+                <a:stretch>
+                  <a:fillRect l="-1385" b="-20000"/>
+                </a:stretch>
+              </a:blipFill>
+            </p:spPr>
+            <p:txBody>
+              <a:bodyPr/>
+              <a:lstStyle/>
+              <a:p>
+                <a:r>
+                  <a:rPr lang="en-US">
+                    <a:noFill/>
+                  </a:rPr>
+                  <a:t> </a:t>
+                </a:r>
+              </a:p>
+            </p:txBody>
+          </p:sp>
+        </mc:Fallback>
+      </mc:AlternateContent>
+      <mc:AlternateContent xmlns:mc="http://schemas.openxmlformats.org/markup-compatibility/2006">
+        <mc:Choice xmlns:a14="http://schemas.microsoft.com/office/drawing/2010/main" Requires="a14">
+          <p:sp>
+            <p:nvSpPr>
+              <p:cNvPr id="32" name="TextBox 31">
+                <a:extLst>
+                  <a:ext uri="{FF2B5EF4-FFF2-40B4-BE49-F238E27FC236}">
+                    <a16:creationId xmlns:a16="http://schemas.microsoft.com/office/drawing/2014/main" id="{51C31C0A-096E-4633-84A6-9695E1AB5A01}"/>
+                  </a:ext>
+                </a:extLst>
+              </p:cNvPr>
+              <p:cNvSpPr txBox="1"/>
+              <p:nvPr/>
+            </p:nvSpPr>
+            <p:spPr>
+              <a:xfrm>
+                <a:off x="4806511" y="5646917"/>
+                <a:ext cx="6161143" cy="307777"/>
+              </a:xfrm>
+              <a:prstGeom prst="rect">
+                <a:avLst/>
+              </a:prstGeom>
+              <a:noFill/>
+            </p:spPr>
+            <p:txBody>
+              <a:bodyPr wrap="square" lIns="0" tIns="0" rIns="0" bIns="0" rtlCol="0">
+                <a:spAutoFit/>
+              </a:bodyPr>
+              <a:lstStyle/>
+              <a:p>
+                <a:pPr/>
+                <a14:m>
+                  <m:oMathPara xmlns:m="http://schemas.openxmlformats.org/officeDocument/2006/math">
+                    <m:oMathParaPr>
+                      <m:jc m:val="left"/>
+                    </m:oMathParaPr>
+                    <m:oMath xmlns:m="http://schemas.openxmlformats.org/officeDocument/2006/math">
+                      <m:sSub>
+                        <m:sSubPr>
+                          <m:ctrlPr>
+                            <a:rPr lang="en-US" sz="2000" b="0" i="1" smtClean="0">
+                              <a:solidFill>
+                                <a:schemeClr val="bg1"/>
+                              </a:solidFill>
+                              <a:latin typeface="Cambria Math" panose="02040503050406030204" pitchFamily="18" charset="0"/>
+                            </a:rPr>
+                          </m:ctrlPr>
+                        </m:sSubPr>
+                        <m:e>
+                          <m:r>
+                            <a:rPr lang="en-US" sz="2000" b="0" i="1" smtClean="0">
+                              <a:solidFill>
+                                <a:schemeClr val="bg1"/>
+                              </a:solidFill>
+                              <a:latin typeface="Cambria Math" panose="02040503050406030204" pitchFamily="18" charset="0"/>
+                            </a:rPr>
+                            <m:t>𝑋</m:t>
+                          </m:r>
+                        </m:e>
+                        <m:sub>
+                          <m:r>
+                            <a:rPr lang="en-US" sz="2000" b="0" i="1" smtClean="0">
+                              <a:solidFill>
+                                <a:schemeClr val="bg1"/>
+                              </a:solidFill>
+                              <a:latin typeface="Cambria Math" panose="02040503050406030204" pitchFamily="18" charset="0"/>
+                            </a:rPr>
+                            <m:t>6</m:t>
+                          </m:r>
+                        </m:sub>
+                      </m:sSub>
                       <m:r>
                         <a:rPr lang="en-US" sz="2000" b="0" i="1" smtClean="0">
                           <a:solidFill>
@@ -21536,7 +21296,7 @@
                           </a:solidFill>
                           <a:latin typeface="Cambria Math" panose="02040503050406030204" pitchFamily="18" charset="0"/>
                         </a:rPr>
-                        <m:t>% −</m:t>
+                        <m:t>=</m:t>
                       </m:r>
                       <m:r>
                         <a:rPr lang="en-US" sz="2000" b="0" i="1" smtClean="0">
@@ -21568,13 +21328,13 @@
             </p:txBody>
           </p:sp>
         </mc:Choice>
-        <mc:Fallback xmlns="">
+        <mc:Fallback>
           <p:sp>
             <p:nvSpPr>
-              <p:cNvPr id="28" name="TextBox 27">
+              <p:cNvPr id="32" name="TextBox 31">
                 <a:extLst>
                   <a:ext uri="{FF2B5EF4-FFF2-40B4-BE49-F238E27FC236}">
-                    <a16:creationId xmlns:a16="http://schemas.microsoft.com/office/drawing/2014/main" id="{4D08841C-DB2C-4013-B7ED-E4B52B9BF4C9}"/>
+                    <a16:creationId xmlns:a16="http://schemas.microsoft.com/office/drawing/2014/main" id="{51C31C0A-096E-4633-84A6-9695E1AB5A01}"/>
                   </a:ext>
                 </a:extLst>
               </p:cNvPr>
@@ -21585,16 +21345,16 @@
             </p:nvSpPr>
             <p:spPr>
               <a:xfrm>
-                <a:off x="659676" y="6347704"/>
+                <a:off x="4806511" y="5646917"/>
                 <a:ext cx="6161143" cy="307777"/>
               </a:xfrm>
               <a:prstGeom prst="rect">
                 <a:avLst/>
               </a:prstGeom>
               <a:blipFill>
-                <a:blip r:embed="rId10"/>
+                <a:blip r:embed="rId14"/>
                 <a:stretch>
-                  <a:fillRect b="-17647"/>
+                  <a:fillRect l="-1385" b="-19608"/>
                 </a:stretch>
               </a:blipFill>
             </p:spPr>

--- a/Slides/Basketball 1/Basketball_1_Lecture.pptx
+++ b/Slides/Basketball 1/Basketball_1_Lecture.pptx
@@ -223,7 +223,7 @@
           <a:p>
             <a:fld id="{C04E5E84-956F-4423-97B3-5936A6D8EEEE}" type="datetimeFigureOut">
               <a:rPr lang="en-US" smtClean="0"/>
-              <a:t>9/24/2019</a:t>
+              <a:t>10/1/2019</a:t>
             </a:fld>
             <a:endParaRPr lang="en-US"/>
           </a:p>
@@ -684,7 +684,7 @@
           <a:p>
             <a:fld id="{3881C039-66A3-4640-815B-3B5A8B7D868D}" type="datetimeFigureOut">
               <a:rPr lang="en-US" smtClean="0"/>
-              <a:t>9/24/2019</a:t>
+              <a:t>10/1/2019</a:t>
             </a:fld>
             <a:endParaRPr lang="en-US"/>
           </a:p>
@@ -854,7 +854,7 @@
           <a:p>
             <a:fld id="{3881C039-66A3-4640-815B-3B5A8B7D868D}" type="datetimeFigureOut">
               <a:rPr lang="en-US" smtClean="0"/>
-              <a:t>9/24/2019</a:t>
+              <a:t>10/1/2019</a:t>
             </a:fld>
             <a:endParaRPr lang="en-US"/>
           </a:p>
@@ -1075,7 +1075,7 @@
           <a:p>
             <a:fld id="{3881C039-66A3-4640-815B-3B5A8B7D868D}" type="datetimeFigureOut">
               <a:rPr lang="en-US" smtClean="0"/>
-              <a:t>9/24/2019</a:t>
+              <a:t>10/1/2019</a:t>
             </a:fld>
             <a:endParaRPr lang="en-US"/>
           </a:p>
@@ -1286,7 +1286,7 @@
           <a:p>
             <a:fld id="{3881C039-66A3-4640-815B-3B5A8B7D868D}" type="datetimeFigureOut">
               <a:rPr lang="en-US" smtClean="0"/>
-              <a:t>9/24/2019</a:t>
+              <a:t>10/1/2019</a:t>
             </a:fld>
             <a:endParaRPr lang="en-US"/>
           </a:p>
@@ -1581,7 +1581,7 @@
           <a:p>
             <a:fld id="{3881C039-66A3-4640-815B-3B5A8B7D868D}" type="datetimeFigureOut">
               <a:rPr lang="en-US" smtClean="0"/>
-              <a:t>9/24/2019</a:t>
+              <a:t>10/1/2019</a:t>
             </a:fld>
             <a:endParaRPr lang="en-US"/>
           </a:p>
@@ -1910,7 +1910,7 @@
           <a:p>
             <a:fld id="{3881C039-66A3-4640-815B-3B5A8B7D868D}" type="datetimeFigureOut">
               <a:rPr lang="en-US" smtClean="0"/>
-              <a:t>9/24/2019</a:t>
+              <a:t>10/1/2019</a:t>
             </a:fld>
             <a:endParaRPr lang="en-US"/>
           </a:p>
@@ -2402,7 +2402,7 @@
           <a:p>
             <a:fld id="{3881C039-66A3-4640-815B-3B5A8B7D868D}" type="datetimeFigureOut">
               <a:rPr lang="en-US" smtClean="0"/>
-              <a:t>9/24/2019</a:t>
+              <a:t>10/1/2019</a:t>
             </a:fld>
             <a:endParaRPr lang="en-US"/>
           </a:p>
@@ -2561,7 +2561,7 @@
           <a:p>
             <a:fld id="{3881C039-66A3-4640-815B-3B5A8B7D868D}" type="datetimeFigureOut">
               <a:rPr lang="en-US" smtClean="0"/>
-              <a:t>9/24/2019</a:t>
+              <a:t>10/1/2019</a:t>
             </a:fld>
             <a:endParaRPr lang="en-US"/>
           </a:p>
@@ -2697,7 +2697,7 @@
           <a:p>
             <a:fld id="{3881C039-66A3-4640-815B-3B5A8B7D868D}" type="datetimeFigureOut">
               <a:rPr lang="en-US" smtClean="0"/>
-              <a:t>9/24/2019</a:t>
+              <a:t>10/1/2019</a:t>
             </a:fld>
             <a:endParaRPr lang="en-US"/>
           </a:p>
@@ -3025,7 +3025,7 @@
           <a:p>
             <a:fld id="{3881C039-66A3-4640-815B-3B5A8B7D868D}" type="datetimeFigureOut">
               <a:rPr lang="en-US" smtClean="0"/>
-              <a:t>9/24/2019</a:t>
+              <a:t>10/1/2019</a:t>
             </a:fld>
             <a:endParaRPr lang="en-US"/>
           </a:p>
@@ -3340,7 +3340,7 @@
           <a:p>
             <a:fld id="{3881C039-66A3-4640-815B-3B5A8B7D868D}" type="datetimeFigureOut">
               <a:rPr lang="en-US" smtClean="0"/>
-              <a:t>9/24/2019</a:t>
+              <a:t>10/1/2019</a:t>
             </a:fld>
             <a:endParaRPr lang="en-US"/>
           </a:p>
@@ -3592,7 +3592,7 @@
           <a:p>
             <a:fld id="{3881C039-66A3-4640-815B-3B5A8B7D868D}" type="datetimeFigureOut">
               <a:rPr lang="en-US" smtClean="0"/>
-              <a:t>9/24/2019</a:t>
+              <a:t>10/1/2019</a:t>
             </a:fld>
             <a:endParaRPr lang="en-US"/>
           </a:p>
@@ -14529,7 +14529,7 @@
         <p:spPr>
           <a:xfrm>
             <a:off x="8832846" y="1317050"/>
-            <a:ext cx="3165219" cy="1938992"/>
+            <a:ext cx="3165219" cy="1323439"/>
           </a:xfrm>
           <a:prstGeom prst="rect">
             <a:avLst/>
@@ -14592,30 +14592,6 @@
                 <a:cs typeface="Calibri" panose="020F0502020204030204" pitchFamily="34" charset="0"/>
               </a:rPr>
               <a:t>FGA = Field Goal Attempt</a:t>
-            </a:r>
-          </a:p>
-          <a:p>
-            <a:r>
-              <a:rPr lang="en-US" sz="2000" dirty="0">
-                <a:solidFill>
-                  <a:schemeClr val="bg1"/>
-                </a:solidFill>
-                <a:latin typeface="Calibri" panose="020F0502020204030204" pitchFamily="34" charset="0"/>
-                <a:cs typeface="Calibri" panose="020F0502020204030204" pitchFamily="34" charset="0"/>
-              </a:rPr>
-              <a:t>FTM = Free Throw Made</a:t>
-            </a:r>
-          </a:p>
-          <a:p>
-            <a:r>
-              <a:rPr lang="en-US" sz="2000" dirty="0">
-                <a:solidFill>
-                  <a:schemeClr val="bg1"/>
-                </a:solidFill>
-                <a:latin typeface="Calibri" panose="020F0502020204030204" pitchFamily="34" charset="0"/>
-                <a:cs typeface="Calibri" panose="020F0502020204030204" pitchFamily="34" charset="0"/>
-              </a:rPr>
-              <a:t>FTA =  Free Throw Attempt</a:t>
             </a:r>
           </a:p>
         </p:txBody>
@@ -15264,7 +15240,25 @@
                 </a:solidFill>
                 <a:latin typeface="Selawik Semibold" panose="020B0702040204020203" pitchFamily="34" charset="0"/>
               </a:rPr>
-              <a:t>Interpretation: Suppose FTR = 0.39. For Every 100 Shots, the Team is Getting Around 37 Free Throws </a:t>
+              <a:t>Interpretation: Suppose FTR = 0.39. For Every 100 Shots, the Team is Getting </a:t>
+            </a:r>
+            <a:r>
+              <a:rPr lang="en-US" sz="2000">
+                <a:solidFill>
+                  <a:schemeClr val="bg1"/>
+                </a:solidFill>
+                <a:latin typeface="Selawik Semibold" panose="020B0702040204020203" pitchFamily="34" charset="0"/>
+              </a:rPr>
+              <a:t>Around 39 </a:t>
+            </a:r>
+            <a:r>
+              <a:rPr lang="en-US" sz="2000" dirty="0">
+                <a:solidFill>
+                  <a:schemeClr val="bg1"/>
+                </a:solidFill>
+                <a:latin typeface="Selawik Semibold" panose="020B0702040204020203" pitchFamily="34" charset="0"/>
+              </a:rPr>
+              <a:t>Free Throws </a:t>
             </a:r>
           </a:p>
           <a:p>
@@ -19616,8 +19610,8 @@
           </a:p>
         </p:txBody>
       </p:sp>
-      <mc:AlternateContent xmlns:mc="http://schemas.openxmlformats.org/markup-compatibility/2006">
-        <mc:Choice xmlns:a14="http://schemas.microsoft.com/office/drawing/2010/main" Requires="a14">
+      <mc:AlternateContent xmlns:mc="http://schemas.openxmlformats.org/markup-compatibility/2006" xmlns:a14="http://schemas.microsoft.com/office/drawing/2010/main">
+        <mc:Choice Requires="a14">
           <p:sp>
             <p:nvSpPr>
               <p:cNvPr id="21" name="TextBox 20">
@@ -19866,25 +19860,7 @@
                           </a:solidFill>
                           <a:latin typeface="Cambria Math" panose="02040503050406030204" pitchFamily="18" charset="0"/>
                         </a:rPr>
-                        <m:t>+</m:t>
-                      </m:r>
-                      <m:r>
-                        <a:rPr lang="en-US" sz="2400" b="0" i="1" smtClean="0">
-                          <a:solidFill>
-                            <a:schemeClr val="bg1"/>
-                          </a:solidFill>
-                          <a:latin typeface="Cambria Math" panose="02040503050406030204" pitchFamily="18" charset="0"/>
-                        </a:rPr>
-                        <m:t>⋯</m:t>
-                      </m:r>
-                      <m:r>
-                        <a:rPr lang="en-US" sz="2400" b="0" i="1" smtClean="0">
-                          <a:solidFill>
-                            <a:schemeClr val="bg1"/>
-                          </a:solidFill>
-                          <a:latin typeface="Cambria Math" panose="02040503050406030204" pitchFamily="18" charset="0"/>
-                        </a:rPr>
-                        <m:t>+</m:t>
+                        <m:t>+⋯+</m:t>
                       </m:r>
                       <m:sSub>
                         <m:sSubPr>
@@ -19984,7 +19960,7 @@
             </p:txBody>
           </p:sp>
         </mc:Choice>
-        <mc:Fallback>
+        <mc:Fallback xmlns="">
           <p:sp>
             <p:nvSpPr>
               <p:cNvPr id="21" name="TextBox 20">
@@ -20029,8 +20005,8 @@
           </p:sp>
         </mc:Fallback>
       </mc:AlternateContent>
-      <mc:AlternateContent xmlns:mc="http://schemas.openxmlformats.org/markup-compatibility/2006">
-        <mc:Choice xmlns:a14="http://schemas.microsoft.com/office/drawing/2010/main" Requires="a14">
+      <mc:AlternateContent xmlns:mc="http://schemas.openxmlformats.org/markup-compatibility/2006" xmlns:a14="http://schemas.microsoft.com/office/drawing/2010/main">
+        <mc:Choice Requires="a14">
           <p:sp>
             <p:nvSpPr>
               <p:cNvPr id="22" name="TextBox 21">
@@ -20139,7 +20115,7 @@
             </p:txBody>
           </p:sp>
         </mc:Choice>
-        <mc:Fallback>
+        <mc:Fallback xmlns="">
           <p:sp>
             <p:nvSpPr>
               <p:cNvPr id="22" name="TextBox 21">
@@ -20184,8 +20160,8 @@
           </p:sp>
         </mc:Fallback>
       </mc:AlternateContent>
-      <mc:AlternateContent xmlns:mc="http://schemas.openxmlformats.org/markup-compatibility/2006">
-        <mc:Choice xmlns:a14="http://schemas.microsoft.com/office/drawing/2010/main" Requires="a14">
+      <mc:AlternateContent xmlns:mc="http://schemas.openxmlformats.org/markup-compatibility/2006" xmlns:a14="http://schemas.microsoft.com/office/drawing/2010/main">
+        <mc:Choice Requires="a14">
           <p:sp>
             <p:nvSpPr>
               <p:cNvPr id="25" name="TextBox 24">
@@ -20294,7 +20270,7 @@
             </p:txBody>
           </p:sp>
         </mc:Choice>
-        <mc:Fallback>
+        <mc:Fallback xmlns="">
           <p:sp>
             <p:nvSpPr>
               <p:cNvPr id="25" name="TextBox 24">
@@ -20339,8 +20315,8 @@
           </p:sp>
         </mc:Fallback>
       </mc:AlternateContent>
-      <mc:AlternateContent xmlns:mc="http://schemas.openxmlformats.org/markup-compatibility/2006">
-        <mc:Choice xmlns:a14="http://schemas.microsoft.com/office/drawing/2010/main" Requires="a14">
+      <mc:AlternateContent xmlns:mc="http://schemas.openxmlformats.org/markup-compatibility/2006" xmlns:a14="http://schemas.microsoft.com/office/drawing/2010/main">
+        <mc:Choice Requires="a14">
           <p:sp>
             <p:nvSpPr>
               <p:cNvPr id="26" name="TextBox 25">
@@ -20501,7 +20477,7 @@
             </p:txBody>
           </p:sp>
         </mc:Choice>
-        <mc:Fallback>
+        <mc:Fallback xmlns="">
           <p:sp>
             <p:nvSpPr>
               <p:cNvPr id="26" name="TextBox 25">
@@ -20546,8 +20522,8 @@
           </p:sp>
         </mc:Fallback>
       </mc:AlternateContent>
-      <mc:AlternateContent xmlns:mc="http://schemas.openxmlformats.org/markup-compatibility/2006">
-        <mc:Choice xmlns:a14="http://schemas.microsoft.com/office/drawing/2010/main" Requires="a14">
+      <mc:AlternateContent xmlns:mc="http://schemas.openxmlformats.org/markup-compatibility/2006" xmlns:a14="http://schemas.microsoft.com/office/drawing/2010/main">
+        <mc:Choice Requires="a14">
           <p:sp>
             <p:nvSpPr>
               <p:cNvPr id="28" name="TextBox 27">
@@ -20656,7 +20632,7 @@
             </p:txBody>
           </p:sp>
         </mc:Choice>
-        <mc:Fallback>
+        <mc:Fallback xmlns="">
           <p:sp>
             <p:nvSpPr>
               <p:cNvPr id="28" name="TextBox 27">
@@ -20701,8 +20677,8 @@
           </p:sp>
         </mc:Fallback>
       </mc:AlternateContent>
-      <mc:AlternateContent xmlns:mc="http://schemas.openxmlformats.org/markup-compatibility/2006">
-        <mc:Choice xmlns:a14="http://schemas.microsoft.com/office/drawing/2010/main" Requires="a14">
+      <mc:AlternateContent xmlns:mc="http://schemas.openxmlformats.org/markup-compatibility/2006" xmlns:a14="http://schemas.microsoft.com/office/drawing/2010/main">
+        <mc:Choice Requires="a14">
           <p:sp>
             <p:nvSpPr>
               <p:cNvPr id="29" name="TextBox 28">
@@ -20872,7 +20848,7 @@
             </p:txBody>
           </p:sp>
         </mc:Choice>
-        <mc:Fallback>
+        <mc:Fallback xmlns="">
           <p:sp>
             <p:nvSpPr>
               <p:cNvPr id="29" name="TextBox 28">
@@ -20917,8 +20893,8 @@
           </p:sp>
         </mc:Fallback>
       </mc:AlternateContent>
-      <mc:AlternateContent xmlns:mc="http://schemas.openxmlformats.org/markup-compatibility/2006">
-        <mc:Choice xmlns:a14="http://schemas.microsoft.com/office/drawing/2010/main" Requires="a14">
+      <mc:AlternateContent xmlns:mc="http://schemas.openxmlformats.org/markup-compatibility/2006" xmlns:a14="http://schemas.microsoft.com/office/drawing/2010/main">
+        <mc:Choice Requires="a14">
           <p:sp>
             <p:nvSpPr>
               <p:cNvPr id="30" name="TextBox 29">
@@ -21027,7 +21003,7 @@
             </p:txBody>
           </p:sp>
         </mc:Choice>
-        <mc:Fallback>
+        <mc:Fallback xmlns="">
           <p:sp>
             <p:nvSpPr>
               <p:cNvPr id="30" name="TextBox 29">
@@ -21072,8 +21048,8 @@
           </p:sp>
         </mc:Fallback>
       </mc:AlternateContent>
-      <mc:AlternateContent xmlns:mc="http://schemas.openxmlformats.org/markup-compatibility/2006">
-        <mc:Choice xmlns:a14="http://schemas.microsoft.com/office/drawing/2010/main" Requires="a14">
+      <mc:AlternateContent xmlns:mc="http://schemas.openxmlformats.org/markup-compatibility/2006" xmlns:a14="http://schemas.microsoft.com/office/drawing/2010/main">
+        <mc:Choice Requires="a14">
           <p:sp>
             <p:nvSpPr>
               <p:cNvPr id="31" name="TextBox 30">
@@ -21173,7 +21149,7 @@
             </p:txBody>
           </p:sp>
         </mc:Choice>
-        <mc:Fallback>
+        <mc:Fallback xmlns="">
           <p:sp>
             <p:nvSpPr>
               <p:cNvPr id="31" name="TextBox 30">
@@ -21218,8 +21194,8 @@
           </p:sp>
         </mc:Fallback>
       </mc:AlternateContent>
-      <mc:AlternateContent xmlns:mc="http://schemas.openxmlformats.org/markup-compatibility/2006">
-        <mc:Choice xmlns:a14="http://schemas.microsoft.com/office/drawing/2010/main" Requires="a14">
+      <mc:AlternateContent xmlns:mc="http://schemas.openxmlformats.org/markup-compatibility/2006" xmlns:a14="http://schemas.microsoft.com/office/drawing/2010/main">
+        <mc:Choice Requires="a14">
           <p:sp>
             <p:nvSpPr>
               <p:cNvPr id="32" name="TextBox 31">
@@ -21328,7 +21304,7 @@
             </p:txBody>
           </p:sp>
         </mc:Choice>
-        <mc:Fallback>
+        <mc:Fallback xmlns="">
           <p:sp>
             <p:nvSpPr>
               <p:cNvPr id="32" name="TextBox 31">
